--- a/Project_EN.pptx
+++ b/Project_EN.pptx
@@ -143,7 +143,7 @@
   <pc:docChgLst>
     <pc:chgData name="Stefan Georgescu" userId="37908185-c1d7-42d0-9605-b4149a966f8b" providerId="ADAL" clId="{7F07B2EF-EC8A-44FF-BF2F-F457F98152AF}"/>
     <pc:docChg chg="undo redo custSel modSld">
-      <pc:chgData name="Stefan Georgescu" userId="37908185-c1d7-42d0-9605-b4149a966f8b" providerId="ADAL" clId="{7F07B2EF-EC8A-44FF-BF2F-F457F98152AF}" dt="2024-06-26T15:01:24.288" v="1247"/>
+      <pc:chgData name="Stefan Georgescu" userId="37908185-c1d7-42d0-9605-b4149a966f8b" providerId="ADAL" clId="{7F07B2EF-EC8A-44FF-BF2F-F457F98152AF}" dt="2024-06-26T15:05:06.794" v="1334" actId="20577"/>
       <pc:docMkLst>
         <pc:docMk/>
       </pc:docMkLst>
@@ -294,13 +294,13 @@
         </pc:spChg>
       </pc:sldChg>
       <pc:sldChg chg="modSp mod">
-        <pc:chgData name="Stefan Georgescu" userId="37908185-c1d7-42d0-9605-b4149a966f8b" providerId="ADAL" clId="{7F07B2EF-EC8A-44FF-BF2F-F457F98152AF}" dt="2024-06-26T14:45:39.641" v="801" actId="20577"/>
+        <pc:chgData name="Stefan Georgescu" userId="37908185-c1d7-42d0-9605-b4149a966f8b" providerId="ADAL" clId="{7F07B2EF-EC8A-44FF-BF2F-F457F98152AF}" dt="2024-06-26T15:05:06.794" v="1334" actId="20577"/>
         <pc:sldMkLst>
           <pc:docMk/>
           <pc:sldMk cId="1465091397" sldId="281"/>
         </pc:sldMkLst>
         <pc:spChg chg="mod">
-          <ac:chgData name="Stefan Georgescu" userId="37908185-c1d7-42d0-9605-b4149a966f8b" providerId="ADAL" clId="{7F07B2EF-EC8A-44FF-BF2F-F457F98152AF}" dt="2024-06-26T14:44:23.193" v="784" actId="20577"/>
+          <ac:chgData name="Stefan Georgescu" userId="37908185-c1d7-42d0-9605-b4149a966f8b" providerId="ADAL" clId="{7F07B2EF-EC8A-44FF-BF2F-F457F98152AF}" dt="2024-06-26T15:05:06.794" v="1334" actId="20577"/>
           <ac:spMkLst>
             <pc:docMk/>
             <pc:sldMk cId="1465091397" sldId="281"/>
@@ -6251,7 +6251,14 @@
                 <a:latin typeface="Courier New" panose="02070309020205020404" pitchFamily="49" charset="0"/>
                 <a:cs typeface="Courier New" panose="02070309020205020404" pitchFamily="49" charset="0"/>
               </a:rPr>
-              <a:t>-- We want to see every phone whose name starts with “p” or ends with “Phone”</a:t>
+              <a:t>-- We want to see every phone whose name starts with “p” or begins with a letter, continues with “Phone“, then continues with </a:t>
+            </a:r>
+            <a:r>
+              <a:rPr lang="en-US" sz="1700" b="1">
+                <a:latin typeface="Courier New" panose="02070309020205020404" pitchFamily="49" charset="0"/>
+                <a:cs typeface="Courier New" panose="02070309020205020404" pitchFamily="49" charset="0"/>
+              </a:rPr>
+              <a:t>any string.</a:t>
             </a:r>
             <a:endParaRPr lang="en-US" sz="1700" dirty="0">
               <a:latin typeface="Courier New" panose="02070309020205020404" pitchFamily="49" charset="0"/>

--- a/Project_EN.pptx
+++ b/Project_EN.pptx
@@ -771,7 +771,7 @@
           <a:p>
             <a:fld id="{3F227A2B-2578-49C3-B4D0-B3D3E853D9C9}" type="datetimeFigureOut">
               <a:rPr lang="LID4096" smtClean="0"/>
-              <a:t>06/26/2024</a:t>
+              <a:t>07/08/2024</a:t>
             </a:fld>
             <a:endParaRPr lang="LID4096"/>
           </a:p>
@@ -979,7 +979,7 @@
           <a:p>
             <a:fld id="{3F227A2B-2578-49C3-B4D0-B3D3E853D9C9}" type="datetimeFigureOut">
               <a:rPr lang="LID4096" smtClean="0"/>
-              <a:t>06/26/2024</a:t>
+              <a:t>07/08/2024</a:t>
             </a:fld>
             <a:endParaRPr lang="LID4096"/>
           </a:p>
@@ -1235,7 +1235,7 @@
           <a:p>
             <a:fld id="{3F227A2B-2578-49C3-B4D0-B3D3E853D9C9}" type="datetimeFigureOut">
               <a:rPr lang="LID4096" smtClean="0"/>
-              <a:t>06/26/2024</a:t>
+              <a:t>07/08/2024</a:t>
             </a:fld>
             <a:endParaRPr lang="LID4096"/>
           </a:p>
@@ -1409,7 +1409,7 @@
           <a:p>
             <a:fld id="{3F227A2B-2578-49C3-B4D0-B3D3E853D9C9}" type="datetimeFigureOut">
               <a:rPr lang="LID4096" smtClean="0"/>
-              <a:t>06/26/2024</a:t>
+              <a:t>07/08/2024</a:t>
             </a:fld>
             <a:endParaRPr lang="LID4096"/>
           </a:p>
@@ -1752,7 +1752,7 @@
           <a:p>
             <a:fld id="{3F227A2B-2578-49C3-B4D0-B3D3E853D9C9}" type="datetimeFigureOut">
               <a:rPr lang="LID4096" smtClean="0"/>
-              <a:t>06/26/2024</a:t>
+              <a:t>07/08/2024</a:t>
             </a:fld>
             <a:endParaRPr lang="LID4096"/>
           </a:p>
@@ -2027,7 +2027,7 @@
           <a:p>
             <a:fld id="{3F227A2B-2578-49C3-B4D0-B3D3E853D9C9}" type="datetimeFigureOut">
               <a:rPr lang="LID4096" smtClean="0"/>
-              <a:t>06/26/2024</a:t>
+              <a:t>07/08/2024</a:t>
             </a:fld>
             <a:endParaRPr lang="LID4096"/>
           </a:p>
@@ -2406,7 +2406,7 @@
           <a:p>
             <a:fld id="{3F227A2B-2578-49C3-B4D0-B3D3E853D9C9}" type="datetimeFigureOut">
               <a:rPr lang="LID4096" smtClean="0"/>
-              <a:t>06/26/2024</a:t>
+              <a:t>07/08/2024</a:t>
             </a:fld>
             <a:endParaRPr lang="LID4096"/>
           </a:p>
@@ -2524,7 +2524,7 @@
           <a:p>
             <a:fld id="{3F227A2B-2578-49C3-B4D0-B3D3E853D9C9}" type="datetimeFigureOut">
               <a:rPr lang="LID4096" smtClean="0"/>
-              <a:t>06/26/2024</a:t>
+              <a:t>07/08/2024</a:t>
             </a:fld>
             <a:endParaRPr lang="LID4096"/>
           </a:p>
@@ -2695,7 +2695,7 @@
           <a:p>
             <a:fld id="{3F227A2B-2578-49C3-B4D0-B3D3E853D9C9}" type="datetimeFigureOut">
               <a:rPr lang="LID4096" smtClean="0"/>
-              <a:t>06/26/2024</a:t>
+              <a:t>07/08/2024</a:t>
             </a:fld>
             <a:endParaRPr lang="LID4096"/>
           </a:p>
@@ -3049,7 +3049,7 @@
           <a:p>
             <a:fld id="{3F227A2B-2578-49C3-B4D0-B3D3E853D9C9}" type="datetimeFigureOut">
               <a:rPr lang="LID4096" smtClean="0"/>
-              <a:t>06/26/2024</a:t>
+              <a:t>07/08/2024</a:t>
             </a:fld>
             <a:endParaRPr lang="LID4096"/>
           </a:p>
@@ -3431,7 +3431,7 @@
           <a:p>
             <a:fld id="{3F227A2B-2578-49C3-B4D0-B3D3E853D9C9}" type="datetimeFigureOut">
               <a:rPr lang="LID4096" smtClean="0"/>
-              <a:t>06/26/2024</a:t>
+              <a:t>07/08/2024</a:t>
             </a:fld>
             <a:endParaRPr lang="LID4096"/>
           </a:p>
@@ -3718,7 +3718,7 @@
           <a:p>
             <a:fld id="{3F227A2B-2578-49C3-B4D0-B3D3E853D9C9}" type="datetimeFigureOut">
               <a:rPr lang="LID4096" smtClean="0"/>
-              <a:t>06/26/2024</a:t>
+              <a:t>07/08/2024</a:t>
             </a:fld>
             <a:endParaRPr lang="LID4096"/>
           </a:p>
@@ -4990,21 +4990,19 @@
         </p:nvSpPr>
         <p:spPr>
           <a:xfrm>
-            <a:off x="1097280" y="344380"/>
-            <a:ext cx="10058400" cy="1450757"/>
+            <a:off x="1066800" y="235151"/>
+            <a:ext cx="10058400" cy="605236"/>
           </a:xfrm>
         </p:spPr>
         <p:txBody>
-          <a:bodyPr/>
+          <a:bodyPr>
+            <a:normAutofit fontScale="90000"/>
+          </a:bodyPr>
           <a:lstStyle/>
           <a:p>
             <a:r>
               <a:rPr lang="en-US" dirty="0"/>
-              <a:t>Query-</a:t>
-            </a:r>
-            <a:r>
-              <a:rPr lang="en-US" dirty="0" err="1"/>
-              <a:t>uri</a:t>
+              <a:t>Queries</a:t>
             </a:r>
             <a:endParaRPr lang="LID4096" dirty="0"/>
           </a:p>
@@ -5028,7 +5026,7 @@
         </p:nvSpPr>
         <p:spPr>
           <a:xfrm>
-            <a:off x="1097280" y="1845734"/>
+            <a:off x="1066800" y="840387"/>
             <a:ext cx="10058400" cy="605235"/>
           </a:xfrm>
         </p:spPr>
@@ -5060,8 +5058,8 @@
         </p:nvSpPr>
         <p:spPr>
           <a:xfrm>
-            <a:off x="282804" y="2450969"/>
-            <a:ext cx="5615233" cy="4308872"/>
+            <a:off x="301657" y="1521037"/>
+            <a:ext cx="5615233" cy="2631490"/>
           </a:xfrm>
           <a:prstGeom prst="rect">
             <a:avLst/>
@@ -5075,7 +5073,7 @@
           <a:lstStyle/>
           <a:p>
             <a:r>
-              <a:rPr lang="en-US" sz="1600" b="1" dirty="0">
+              <a:rPr lang="en-US" sz="1100" b="1" dirty="0">
                 <a:latin typeface="Courier New" panose="02070309020205020404" pitchFamily="49" charset="0"/>
                 <a:cs typeface="Courier New" panose="02070309020205020404" pitchFamily="49" charset="0"/>
               </a:rPr>
@@ -5084,21 +5082,21 @@
           </a:p>
           <a:p>
             <a:r>
-              <a:rPr lang="en-US" sz="1600" dirty="0">
+              <a:rPr lang="en-US" sz="1100" dirty="0">
                 <a:latin typeface="Courier New" panose="02070309020205020404" pitchFamily="49" charset="0"/>
                 <a:cs typeface="Courier New" panose="02070309020205020404" pitchFamily="49" charset="0"/>
               </a:rPr>
               <a:t>SELECT DISTINCT(</a:t>
             </a:r>
             <a:r>
-              <a:rPr lang="en-US" sz="1600" dirty="0" err="1">
+              <a:rPr lang="en-US" sz="1100" dirty="0" err="1">
                 <a:latin typeface="Courier New" panose="02070309020205020404" pitchFamily="49" charset="0"/>
                 <a:cs typeface="Courier New" panose="02070309020205020404" pitchFamily="49" charset="0"/>
               </a:rPr>
               <a:t>departament</a:t>
             </a:r>
             <a:r>
-              <a:rPr lang="en-US" sz="1600" dirty="0">
+              <a:rPr lang="en-US" sz="1100" dirty="0">
                 <a:latin typeface="Courier New" panose="02070309020205020404" pitchFamily="49" charset="0"/>
                 <a:cs typeface="Courier New" panose="02070309020205020404" pitchFamily="49" charset="0"/>
               </a:rPr>
@@ -5106,14 +5104,14 @@
             </a:r>
           </a:p>
           <a:p>
-            <a:endParaRPr lang="en-US" sz="1600" dirty="0">
+            <a:endParaRPr lang="en-US" sz="1100" dirty="0">
               <a:latin typeface="Courier New" panose="02070309020205020404" pitchFamily="49" charset="0"/>
               <a:cs typeface="Courier New" panose="02070309020205020404" pitchFamily="49" charset="0"/>
             </a:endParaRPr>
           </a:p>
           <a:p>
             <a:r>
-              <a:rPr lang="en-US" sz="1600" b="1" dirty="0">
+              <a:rPr lang="en-US" sz="1100" b="1" dirty="0">
                 <a:latin typeface="Courier New" panose="02070309020205020404" pitchFamily="49" charset="0"/>
                 <a:cs typeface="Courier New" panose="02070309020205020404" pitchFamily="49" charset="0"/>
               </a:rPr>
@@ -5122,89 +5120,89 @@
           </a:p>
           <a:p>
             <a:r>
-              <a:rPr lang="en-US" sz="1600" dirty="0">
+              <a:rPr lang="en-US" sz="1100" dirty="0">
                 <a:latin typeface="Courier New" panose="02070309020205020404" pitchFamily="49" charset="0"/>
                 <a:cs typeface="Courier New" panose="02070309020205020404" pitchFamily="49" charset="0"/>
               </a:rPr>
               <a:t>SELECT </a:t>
             </a:r>
             <a:r>
-              <a:rPr lang="en-US" sz="1600" dirty="0" err="1">
+              <a:rPr lang="en-US" sz="1100" dirty="0" err="1">
                 <a:latin typeface="Courier New" panose="02070309020205020404" pitchFamily="49" charset="0"/>
                 <a:cs typeface="Courier New" panose="02070309020205020404" pitchFamily="49" charset="0"/>
               </a:rPr>
               <a:t>prenume</a:t>
             </a:r>
             <a:r>
-              <a:rPr lang="en-US" sz="1600" dirty="0">
+              <a:rPr lang="en-US" sz="1100" dirty="0">
                 <a:latin typeface="Courier New" panose="02070309020205020404" pitchFamily="49" charset="0"/>
                 <a:cs typeface="Courier New" panose="02070309020205020404" pitchFamily="49" charset="0"/>
               </a:rPr>
               <a:t>, </a:t>
             </a:r>
             <a:r>
-              <a:rPr lang="en-US" sz="1600" dirty="0" err="1">
+              <a:rPr lang="en-US" sz="1100" dirty="0" err="1">
                 <a:latin typeface="Courier New" panose="02070309020205020404" pitchFamily="49" charset="0"/>
                 <a:cs typeface="Courier New" panose="02070309020205020404" pitchFamily="49" charset="0"/>
               </a:rPr>
               <a:t>nume</a:t>
             </a:r>
             <a:r>
-              <a:rPr lang="en-US" sz="1600" dirty="0">
+              <a:rPr lang="en-US" sz="1100" dirty="0">
                 <a:latin typeface="Courier New" panose="02070309020205020404" pitchFamily="49" charset="0"/>
                 <a:cs typeface="Courier New" panose="02070309020205020404" pitchFamily="49" charset="0"/>
               </a:rPr>
               <a:t>, </a:t>
             </a:r>
             <a:r>
-              <a:rPr lang="en-US" sz="1600" dirty="0" err="1">
+              <a:rPr lang="en-US" sz="1100" dirty="0" err="1">
                 <a:latin typeface="Courier New" panose="02070309020205020404" pitchFamily="49" charset="0"/>
                 <a:cs typeface="Courier New" panose="02070309020205020404" pitchFamily="49" charset="0"/>
               </a:rPr>
               <a:t>departament</a:t>
             </a:r>
-            <a:endParaRPr lang="en-US" sz="1600" dirty="0">
+            <a:endParaRPr lang="en-US" sz="1100" dirty="0">
               <a:latin typeface="Courier New" panose="02070309020205020404" pitchFamily="49" charset="0"/>
               <a:cs typeface="Courier New" panose="02070309020205020404" pitchFamily="49" charset="0"/>
             </a:endParaRPr>
           </a:p>
           <a:p>
             <a:r>
-              <a:rPr lang="en-US" sz="1600" dirty="0">
+              <a:rPr lang="en-US" sz="1100" dirty="0">
                 <a:latin typeface="Courier New" panose="02070309020205020404" pitchFamily="49" charset="0"/>
                 <a:cs typeface="Courier New" panose="02070309020205020404" pitchFamily="49" charset="0"/>
               </a:rPr>
               <a:t>FROM </a:t>
             </a:r>
             <a:r>
-              <a:rPr lang="en-US" sz="1600" dirty="0" err="1">
+              <a:rPr lang="en-US" sz="1100" dirty="0" err="1">
                 <a:latin typeface="Courier New" panose="02070309020205020404" pitchFamily="49" charset="0"/>
                 <a:cs typeface="Courier New" panose="02070309020205020404" pitchFamily="49" charset="0"/>
               </a:rPr>
               <a:t>angajati</a:t>
             </a:r>
-            <a:endParaRPr lang="en-US" sz="1600" dirty="0">
+            <a:endParaRPr lang="en-US" sz="1100" dirty="0">
               <a:latin typeface="Courier New" panose="02070309020205020404" pitchFamily="49" charset="0"/>
               <a:cs typeface="Courier New" panose="02070309020205020404" pitchFamily="49" charset="0"/>
             </a:endParaRPr>
           </a:p>
           <a:p>
             <a:r>
-              <a:rPr lang="en-US" sz="1600" dirty="0">
+              <a:rPr lang="en-US" sz="1100" dirty="0">
                 <a:latin typeface="Courier New" panose="02070309020205020404" pitchFamily="49" charset="0"/>
                 <a:cs typeface="Courier New" panose="02070309020205020404" pitchFamily="49" charset="0"/>
               </a:rPr>
               <a:t>WHERE sex = 'M' AND </a:t>
             </a:r>
             <a:r>
-              <a:rPr lang="en-US" sz="1600" dirty="0" err="1">
+              <a:rPr lang="en-US" sz="1100" dirty="0" err="1">
                 <a:latin typeface="Courier New" panose="02070309020205020404" pitchFamily="49" charset="0"/>
                 <a:cs typeface="Courier New" panose="02070309020205020404" pitchFamily="49" charset="0"/>
               </a:rPr>
               <a:t>departament</a:t>
             </a:r>
             <a:r>
-              <a:rPr lang="en-US" sz="1600" dirty="0">
+              <a:rPr lang="en-US" sz="1100" dirty="0">
                 <a:latin typeface="Courier New" panose="02070309020205020404" pitchFamily="49" charset="0"/>
                 <a:cs typeface="Courier New" panose="02070309020205020404" pitchFamily="49" charset="0"/>
               </a:rPr>
@@ -5212,14 +5210,14 @@
             </a:r>
           </a:p>
           <a:p>
-            <a:endParaRPr lang="en-US" sz="1600" dirty="0">
+            <a:endParaRPr lang="en-US" sz="1100" dirty="0">
               <a:latin typeface="Courier New" panose="02070309020205020404" pitchFamily="49" charset="0"/>
               <a:cs typeface="Courier New" panose="02070309020205020404" pitchFamily="49" charset="0"/>
             </a:endParaRPr>
           </a:p>
           <a:p>
             <a:r>
-              <a:rPr lang="en-US" sz="1600" b="1" dirty="0">
+              <a:rPr lang="en-US" sz="1100" b="1" dirty="0">
                 <a:latin typeface="Courier New" panose="02070309020205020404" pitchFamily="49" charset="0"/>
                 <a:cs typeface="Courier New" panose="02070309020205020404" pitchFamily="49" charset="0"/>
               </a:rPr>
@@ -5228,35 +5226,35 @@
           </a:p>
           <a:p>
             <a:r>
-              <a:rPr lang="en-US" sz="1600" dirty="0">
+              <a:rPr lang="en-US" sz="1100" dirty="0">
                 <a:latin typeface="Courier New" panose="02070309020205020404" pitchFamily="49" charset="0"/>
                 <a:cs typeface="Courier New" panose="02070309020205020404" pitchFamily="49" charset="0"/>
               </a:rPr>
               <a:t>SELECT COUNT(</a:t>
             </a:r>
             <a:r>
-              <a:rPr lang="en-US" sz="1600" dirty="0" err="1">
+              <a:rPr lang="en-US" sz="1100" dirty="0" err="1">
                 <a:latin typeface="Courier New" panose="02070309020205020404" pitchFamily="49" charset="0"/>
                 <a:cs typeface="Courier New" panose="02070309020205020404" pitchFamily="49" charset="0"/>
               </a:rPr>
               <a:t>numar_inventar</a:t>
             </a:r>
             <a:r>
-              <a:rPr lang="en-US" sz="1600" dirty="0">
+              <a:rPr lang="en-US" sz="1100" dirty="0">
                 <a:latin typeface="Courier New" panose="02070309020205020404" pitchFamily="49" charset="0"/>
                 <a:cs typeface="Courier New" panose="02070309020205020404" pitchFamily="49" charset="0"/>
               </a:rPr>
               <a:t>), </a:t>
             </a:r>
             <a:r>
-              <a:rPr lang="en-US" sz="1600" dirty="0" err="1">
+              <a:rPr lang="en-US" sz="1100" dirty="0" err="1">
                 <a:latin typeface="Courier New" panose="02070309020205020404" pitchFamily="49" charset="0"/>
                 <a:cs typeface="Courier New" panose="02070309020205020404" pitchFamily="49" charset="0"/>
               </a:rPr>
               <a:t>marca_tel</a:t>
             </a:r>
             <a:r>
-              <a:rPr lang="en-US" sz="1600" dirty="0">
+              <a:rPr lang="en-US" sz="1100" dirty="0">
                 <a:latin typeface="Courier New" panose="02070309020205020404" pitchFamily="49" charset="0"/>
                 <a:cs typeface="Courier New" panose="02070309020205020404" pitchFamily="49" charset="0"/>
               </a:rPr>
@@ -5265,61 +5263,61 @@
           </a:p>
           <a:p>
             <a:r>
-              <a:rPr lang="en-US" sz="1600" dirty="0">
+              <a:rPr lang="en-US" sz="1100" dirty="0">
                 <a:latin typeface="Courier New" panose="02070309020205020404" pitchFamily="49" charset="0"/>
                 <a:cs typeface="Courier New" panose="02070309020205020404" pitchFamily="49" charset="0"/>
               </a:rPr>
               <a:t>FROM </a:t>
             </a:r>
             <a:r>
-              <a:rPr lang="en-US" sz="1600" dirty="0" err="1">
+              <a:rPr lang="en-US" sz="1100" dirty="0" err="1">
                 <a:latin typeface="Courier New" panose="02070309020205020404" pitchFamily="49" charset="0"/>
                 <a:cs typeface="Courier New" panose="02070309020205020404" pitchFamily="49" charset="0"/>
               </a:rPr>
               <a:t>telefoane</a:t>
             </a:r>
-            <a:endParaRPr lang="en-US" sz="1600" dirty="0">
+            <a:endParaRPr lang="en-US" sz="1100" dirty="0">
               <a:latin typeface="Courier New" panose="02070309020205020404" pitchFamily="49" charset="0"/>
               <a:cs typeface="Courier New" panose="02070309020205020404" pitchFamily="49" charset="0"/>
             </a:endParaRPr>
           </a:p>
           <a:p>
             <a:r>
-              <a:rPr lang="en-US" sz="1600" dirty="0">
+              <a:rPr lang="en-US" sz="1100" dirty="0">
                 <a:latin typeface="Courier New" panose="02070309020205020404" pitchFamily="49" charset="0"/>
                 <a:cs typeface="Courier New" panose="02070309020205020404" pitchFamily="49" charset="0"/>
               </a:rPr>
               <a:t>GROUP BY </a:t>
             </a:r>
             <a:r>
-              <a:rPr lang="en-US" sz="1600" dirty="0" err="1">
+              <a:rPr lang="en-US" sz="1100" dirty="0" err="1">
                 <a:latin typeface="Courier New" panose="02070309020205020404" pitchFamily="49" charset="0"/>
                 <a:cs typeface="Courier New" panose="02070309020205020404" pitchFamily="49" charset="0"/>
               </a:rPr>
               <a:t>marca_tel</a:t>
             </a:r>
-            <a:endParaRPr lang="en-US" sz="1600" dirty="0">
+            <a:endParaRPr lang="en-US" sz="1100" dirty="0">
               <a:latin typeface="Courier New" panose="02070309020205020404" pitchFamily="49" charset="0"/>
               <a:cs typeface="Courier New" panose="02070309020205020404" pitchFamily="49" charset="0"/>
             </a:endParaRPr>
           </a:p>
           <a:p>
             <a:r>
-              <a:rPr lang="en-US" sz="1600" dirty="0">
+              <a:rPr lang="en-US" sz="1100" dirty="0">
                 <a:latin typeface="Courier New" panose="02070309020205020404" pitchFamily="49" charset="0"/>
                 <a:cs typeface="Courier New" panose="02070309020205020404" pitchFamily="49" charset="0"/>
               </a:rPr>
               <a:t>HAVING </a:t>
             </a:r>
             <a:r>
-              <a:rPr lang="en-US" sz="1600" dirty="0" err="1">
+              <a:rPr lang="en-US" sz="1100" dirty="0" err="1">
                 <a:latin typeface="Courier New" panose="02070309020205020404" pitchFamily="49" charset="0"/>
                 <a:cs typeface="Courier New" panose="02070309020205020404" pitchFamily="49" charset="0"/>
               </a:rPr>
               <a:t>numar</a:t>
             </a:r>
             <a:r>
-              <a:rPr lang="en-US" sz="1600" dirty="0">
+              <a:rPr lang="en-US" sz="1100" dirty="0">
                 <a:latin typeface="Courier New" panose="02070309020205020404" pitchFamily="49" charset="0"/>
                 <a:cs typeface="Courier New" panose="02070309020205020404" pitchFamily="49" charset="0"/>
               </a:rPr>
@@ -5327,7 +5325,7 @@
             </a:r>
           </a:p>
           <a:p>
-            <a:endParaRPr lang="LID4096" dirty="0"/>
+            <a:endParaRPr lang="LID4096" sz="1100" dirty="0"/>
           </a:p>
         </p:txBody>
       </p:sp>
@@ -5347,7 +5345,7 @@
         </p:nvSpPr>
         <p:spPr>
           <a:xfrm>
-            <a:off x="6416512" y="2366127"/>
+            <a:off x="301657" y="4152527"/>
             <a:ext cx="5059680" cy="3418125"/>
           </a:xfrm>
           <a:prstGeom prst="rect">
@@ -5614,7 +5612,7 @@
               </a:spcAft>
             </a:pPr>
             <a:r>
-              <a:rPr lang="en-US" sz="1600" b="1" dirty="0">
+              <a:rPr lang="en-US" sz="1100" b="1" dirty="0">
                 <a:latin typeface="Courier New" panose="02070309020205020404" pitchFamily="49" charset="0"/>
                 <a:cs typeface="Courier New" panose="02070309020205020404" pitchFamily="49" charset="0"/>
               </a:rPr>
@@ -5631,49 +5629,49 @@
               </a:spcAft>
             </a:pPr>
             <a:r>
-              <a:rPr lang="en-US" sz="1600" dirty="0">
+              <a:rPr lang="en-US" sz="1100" dirty="0">
                 <a:latin typeface="Courier New" panose="02070309020205020404" pitchFamily="49" charset="0"/>
                 <a:cs typeface="Courier New" panose="02070309020205020404" pitchFamily="49" charset="0"/>
               </a:rPr>
               <a:t>SELECT id, </a:t>
             </a:r>
             <a:r>
-              <a:rPr lang="en-US" sz="1600" dirty="0" err="1">
+              <a:rPr lang="en-US" sz="1100" dirty="0" err="1">
                 <a:latin typeface="Courier New" panose="02070309020205020404" pitchFamily="49" charset="0"/>
                 <a:cs typeface="Courier New" panose="02070309020205020404" pitchFamily="49" charset="0"/>
               </a:rPr>
               <a:t>prenume</a:t>
             </a:r>
             <a:r>
-              <a:rPr lang="en-US" sz="1600" dirty="0">
+              <a:rPr lang="en-US" sz="1100" dirty="0">
                 <a:latin typeface="Courier New" panose="02070309020205020404" pitchFamily="49" charset="0"/>
                 <a:cs typeface="Courier New" panose="02070309020205020404" pitchFamily="49" charset="0"/>
               </a:rPr>
               <a:t>, </a:t>
             </a:r>
             <a:r>
-              <a:rPr lang="en-US" sz="1600" dirty="0" err="1">
+              <a:rPr lang="en-US" sz="1100" dirty="0" err="1">
                 <a:latin typeface="Courier New" panose="02070309020205020404" pitchFamily="49" charset="0"/>
                 <a:cs typeface="Courier New" panose="02070309020205020404" pitchFamily="49" charset="0"/>
               </a:rPr>
               <a:t>nume</a:t>
             </a:r>
             <a:r>
-              <a:rPr lang="en-US" sz="1600" dirty="0">
+              <a:rPr lang="en-US" sz="1100" dirty="0">
                 <a:latin typeface="Courier New" panose="02070309020205020404" pitchFamily="49" charset="0"/>
                 <a:cs typeface="Courier New" panose="02070309020205020404" pitchFamily="49" charset="0"/>
               </a:rPr>
               <a:t>, </a:t>
             </a:r>
             <a:r>
-              <a:rPr lang="en-US" sz="1600" dirty="0" err="1">
+              <a:rPr lang="en-US" sz="1100" dirty="0" err="1">
                 <a:latin typeface="Courier New" panose="02070309020205020404" pitchFamily="49" charset="0"/>
                 <a:cs typeface="Courier New" panose="02070309020205020404" pitchFamily="49" charset="0"/>
               </a:rPr>
               <a:t>functie</a:t>
             </a:r>
             <a:r>
-              <a:rPr lang="en-US" sz="1600" dirty="0">
+              <a:rPr lang="en-US" sz="1100" dirty="0">
                 <a:latin typeface="Courier New" panose="02070309020205020404" pitchFamily="49" charset="0"/>
                 <a:cs typeface="Courier New" panose="02070309020205020404" pitchFamily="49" charset="0"/>
               </a:rPr>
@@ -5690,20 +5688,20 @@
               </a:spcAft>
             </a:pPr>
             <a:r>
-              <a:rPr lang="en-US" sz="1600" dirty="0">
+              <a:rPr lang="en-US" sz="1100" dirty="0">
                 <a:latin typeface="Courier New" panose="02070309020205020404" pitchFamily="49" charset="0"/>
                 <a:cs typeface="Courier New" panose="02070309020205020404" pitchFamily="49" charset="0"/>
               </a:rPr>
               <a:t>FROM </a:t>
             </a:r>
             <a:r>
-              <a:rPr lang="en-US" sz="1600" dirty="0" err="1">
+              <a:rPr lang="en-US" sz="1100" dirty="0" err="1">
                 <a:latin typeface="Courier New" panose="02070309020205020404" pitchFamily="49" charset="0"/>
                 <a:cs typeface="Courier New" panose="02070309020205020404" pitchFamily="49" charset="0"/>
               </a:rPr>
               <a:t>angajati</a:t>
             </a:r>
-            <a:endParaRPr lang="en-US" sz="1600" dirty="0">
+            <a:endParaRPr lang="en-US" sz="1100" dirty="0">
               <a:latin typeface="Courier New" panose="02070309020205020404" pitchFamily="49" charset="0"/>
               <a:cs typeface="Courier New" panose="02070309020205020404" pitchFamily="49" charset="0"/>
             </a:endParaRPr>
@@ -5718,7 +5716,7 @@
               </a:spcAft>
             </a:pPr>
             <a:r>
-              <a:rPr lang="en-US" sz="1600" dirty="0">
+              <a:rPr lang="en-US" sz="1100" dirty="0">
                 <a:latin typeface="Courier New" panose="02070309020205020404" pitchFamily="49" charset="0"/>
                 <a:cs typeface="Courier New" panose="02070309020205020404" pitchFamily="49" charset="0"/>
               </a:rPr>
@@ -5735,20 +5733,20 @@
               </a:spcAft>
             </a:pPr>
             <a:r>
-              <a:rPr lang="en-US" sz="1600" dirty="0">
+              <a:rPr lang="en-US" sz="1100" dirty="0">
                 <a:latin typeface="Courier New" panose="02070309020205020404" pitchFamily="49" charset="0"/>
                 <a:cs typeface="Courier New" panose="02070309020205020404" pitchFamily="49" charset="0"/>
               </a:rPr>
               <a:t>SELECT </a:t>
             </a:r>
             <a:r>
-              <a:rPr lang="en-US" sz="1600" dirty="0" err="1">
+              <a:rPr lang="en-US" sz="1100" dirty="0" err="1">
                 <a:latin typeface="Courier New" panose="02070309020205020404" pitchFamily="49" charset="0"/>
                 <a:cs typeface="Courier New" panose="02070309020205020404" pitchFamily="49" charset="0"/>
               </a:rPr>
               <a:t>id_angajat</a:t>
             </a:r>
-            <a:endParaRPr lang="en-US" sz="1600" dirty="0">
+            <a:endParaRPr lang="en-US" sz="1100" dirty="0">
               <a:latin typeface="Courier New" panose="02070309020205020404" pitchFamily="49" charset="0"/>
               <a:cs typeface="Courier New" panose="02070309020205020404" pitchFamily="49" charset="0"/>
             </a:endParaRPr>
@@ -5763,20 +5761,20 @@
               </a:spcAft>
             </a:pPr>
             <a:r>
-              <a:rPr lang="en-US" sz="1600" dirty="0">
+              <a:rPr lang="en-US" sz="1100" dirty="0">
                 <a:latin typeface="Courier New" panose="02070309020205020404" pitchFamily="49" charset="0"/>
                 <a:cs typeface="Courier New" panose="02070309020205020404" pitchFamily="49" charset="0"/>
               </a:rPr>
               <a:t>FROM </a:t>
             </a:r>
             <a:r>
-              <a:rPr lang="en-US" sz="1600" dirty="0" err="1">
+              <a:rPr lang="en-US" sz="1100" dirty="0" err="1">
                 <a:latin typeface="Courier New" panose="02070309020205020404" pitchFamily="49" charset="0"/>
                 <a:cs typeface="Courier New" panose="02070309020205020404" pitchFamily="49" charset="0"/>
               </a:rPr>
               <a:t>masini</a:t>
             </a:r>
-            <a:endParaRPr lang="en-US" sz="1600" dirty="0">
+            <a:endParaRPr lang="en-US" sz="1100" dirty="0">
               <a:latin typeface="Courier New" panose="02070309020205020404" pitchFamily="49" charset="0"/>
               <a:cs typeface="Courier New" panose="02070309020205020404" pitchFamily="49" charset="0"/>
             </a:endParaRPr>
@@ -5791,21 +5789,21 @@
               </a:spcAft>
             </a:pPr>
             <a:r>
-              <a:rPr lang="en-US" sz="1600" dirty="0">
+              <a:rPr lang="en-US" sz="1100" dirty="0">
                 <a:latin typeface="Courier New" panose="02070309020205020404" pitchFamily="49" charset="0"/>
                 <a:cs typeface="Courier New" panose="02070309020205020404" pitchFamily="49" charset="0"/>
               </a:rPr>
               <a:t>WHERE </a:t>
             </a:r>
             <a:r>
-              <a:rPr lang="en-US" sz="1600" dirty="0" err="1">
+              <a:rPr lang="en-US" sz="1100" dirty="0" err="1">
                 <a:latin typeface="Courier New" panose="02070309020205020404" pitchFamily="49" charset="0"/>
                 <a:cs typeface="Courier New" panose="02070309020205020404" pitchFamily="49" charset="0"/>
               </a:rPr>
               <a:t>an_fabricatie</a:t>
             </a:r>
             <a:r>
-              <a:rPr lang="en-US" sz="1600" dirty="0">
+              <a:rPr lang="en-US" sz="1100" dirty="0">
                 <a:latin typeface="Courier New" panose="02070309020205020404" pitchFamily="49" charset="0"/>
                 <a:cs typeface="Courier New" panose="02070309020205020404" pitchFamily="49" charset="0"/>
               </a:rPr>
@@ -5822,13 +5820,972 @@
               </a:spcAft>
             </a:pPr>
             <a:r>
-              <a:rPr lang="en-US" sz="1600" dirty="0">
+              <a:rPr lang="en-US" sz="1100" dirty="0">
                 <a:latin typeface="Courier New" panose="02070309020205020404" pitchFamily="49" charset="0"/>
                 <a:cs typeface="Courier New" panose="02070309020205020404" pitchFamily="49" charset="0"/>
               </a:rPr>
               <a:t>);</a:t>
             </a:r>
-            <a:endParaRPr lang="LID4096" sz="1600" dirty="0">
+            <a:endParaRPr lang="LID4096" sz="1100" dirty="0">
+              <a:latin typeface="Courier New" panose="02070309020205020404" pitchFamily="49" charset="0"/>
+              <a:cs typeface="Courier New" panose="02070309020205020404" pitchFamily="49" charset="0"/>
+            </a:endParaRPr>
+          </a:p>
+        </p:txBody>
+      </p:sp>
+      <p:sp>
+        <p:nvSpPr>
+          <p:cNvPr id="6" name="TextBox 5">
+            <a:extLst>
+              <a:ext uri="{FF2B5EF4-FFF2-40B4-BE49-F238E27FC236}">
+                <a16:creationId xmlns:a16="http://schemas.microsoft.com/office/drawing/2014/main" id="{D99DE570-A779-4449-B610-07B7DD6C78C5}"/>
+              </a:ext>
+            </a:extLst>
+          </p:cNvPr>
+          <p:cNvSpPr txBox="1"/>
+          <p:nvPr/>
+        </p:nvSpPr>
+        <p:spPr>
+          <a:xfrm>
+            <a:off x="6096000" y="1143004"/>
+            <a:ext cx="5884303" cy="5401094"/>
+          </a:xfrm>
+          <a:prstGeom prst="rect">
+            <a:avLst/>
+          </a:prstGeom>
+          <a:noFill/>
+        </p:spPr>
+        <p:txBody>
+          <a:bodyPr wrap="none" rtlCol="0">
+            <a:spAutoFit/>
+          </a:bodyPr>
+          <a:lstStyle/>
+          <a:p>
+            <a:endParaRPr lang="en-US" b="1" dirty="0"/>
+          </a:p>
+          <a:p>
+            <a:pPr indent="-91440">
+              <a:lnSpc>
+                <a:spcPct val="90000"/>
+              </a:lnSpc>
+              <a:buClr>
+                <a:schemeClr val="accent1"/>
+              </a:buClr>
+              <a:buSzPct val="100000"/>
+              <a:buFont typeface="Calibri" panose="020F0502020204030204" pitchFamily="34" charset="0"/>
+              <a:buChar char=" "/>
+            </a:pPr>
+            <a:r>
+              <a:rPr lang="en-US" sz="1100" b="1" dirty="0">
+                <a:latin typeface="Courier New" panose="02070309020205020404" pitchFamily="49" charset="0"/>
+                <a:cs typeface="Courier New" panose="02070309020205020404" pitchFamily="49" charset="0"/>
+              </a:rPr>
+              <a:t>-- I search for employees from Romania or Bulgaria</a:t>
+            </a:r>
+          </a:p>
+          <a:p>
+            <a:pPr indent="-91440">
+              <a:lnSpc>
+                <a:spcPct val="90000"/>
+              </a:lnSpc>
+              <a:buClr>
+                <a:schemeClr val="accent1"/>
+              </a:buClr>
+              <a:buSzPct val="100000"/>
+              <a:buFont typeface="Calibri" panose="020F0502020204030204" pitchFamily="34" charset="0"/>
+              <a:buChar char=" "/>
+            </a:pPr>
+            <a:r>
+              <a:rPr lang="en-US" sz="1100" dirty="0">
+                <a:latin typeface="Courier New" panose="02070309020205020404" pitchFamily="49" charset="0"/>
+                <a:cs typeface="Courier New" panose="02070309020205020404" pitchFamily="49" charset="0"/>
+              </a:rPr>
+              <a:t>SELECT </a:t>
+            </a:r>
+            <a:r>
+              <a:rPr lang="en-US" sz="1100" dirty="0" err="1">
+                <a:latin typeface="Courier New" panose="02070309020205020404" pitchFamily="49" charset="0"/>
+                <a:cs typeface="Courier New" panose="02070309020205020404" pitchFamily="49" charset="0"/>
+              </a:rPr>
+              <a:t>nume</a:t>
+            </a:r>
+            <a:r>
+              <a:rPr lang="en-US" sz="1100" dirty="0">
+                <a:latin typeface="Courier New" panose="02070309020205020404" pitchFamily="49" charset="0"/>
+                <a:cs typeface="Courier New" panose="02070309020205020404" pitchFamily="49" charset="0"/>
+              </a:rPr>
+              <a:t>, </a:t>
+            </a:r>
+            <a:r>
+              <a:rPr lang="en-US" sz="1100" dirty="0" err="1">
+                <a:latin typeface="Courier New" panose="02070309020205020404" pitchFamily="49" charset="0"/>
+                <a:cs typeface="Courier New" panose="02070309020205020404" pitchFamily="49" charset="0"/>
+              </a:rPr>
+              <a:t>prenume</a:t>
+            </a:r>
+            <a:r>
+              <a:rPr lang="en-US" sz="1100" dirty="0">
+                <a:latin typeface="Courier New" panose="02070309020205020404" pitchFamily="49" charset="0"/>
+                <a:cs typeface="Courier New" panose="02070309020205020404" pitchFamily="49" charset="0"/>
+              </a:rPr>
+              <a:t>, </a:t>
+            </a:r>
+            <a:r>
+              <a:rPr lang="en-US" sz="1100" dirty="0" err="1">
+                <a:latin typeface="Courier New" panose="02070309020205020404" pitchFamily="49" charset="0"/>
+                <a:cs typeface="Courier New" panose="02070309020205020404" pitchFamily="49" charset="0"/>
+              </a:rPr>
+              <a:t>departament</a:t>
+            </a:r>
+            <a:endParaRPr lang="en-US" sz="1100" dirty="0">
+              <a:latin typeface="Courier New" panose="02070309020205020404" pitchFamily="49" charset="0"/>
+              <a:cs typeface="Courier New" panose="02070309020205020404" pitchFamily="49" charset="0"/>
+            </a:endParaRPr>
+          </a:p>
+          <a:p>
+            <a:pPr indent="-91440">
+              <a:lnSpc>
+                <a:spcPct val="90000"/>
+              </a:lnSpc>
+              <a:buClr>
+                <a:schemeClr val="accent1"/>
+              </a:buClr>
+              <a:buSzPct val="100000"/>
+              <a:buFont typeface="Calibri" panose="020F0502020204030204" pitchFamily="34" charset="0"/>
+              <a:buChar char=" "/>
+            </a:pPr>
+            <a:r>
+              <a:rPr lang="en-US" sz="1100" dirty="0">
+                <a:latin typeface="Courier New" panose="02070309020205020404" pitchFamily="49" charset="0"/>
+                <a:cs typeface="Courier New" panose="02070309020205020404" pitchFamily="49" charset="0"/>
+              </a:rPr>
+              <a:t>FROM ANGAJATI</a:t>
+            </a:r>
+          </a:p>
+          <a:p>
+            <a:pPr indent="-91440">
+              <a:lnSpc>
+                <a:spcPct val="90000"/>
+              </a:lnSpc>
+              <a:buClr>
+                <a:schemeClr val="accent1"/>
+              </a:buClr>
+              <a:buSzPct val="100000"/>
+              <a:buFont typeface="Calibri" panose="020F0502020204030204" pitchFamily="34" charset="0"/>
+              <a:buChar char=" "/>
+            </a:pPr>
+            <a:r>
+              <a:rPr lang="en-US" sz="1100" dirty="0">
+                <a:latin typeface="Courier New" panose="02070309020205020404" pitchFamily="49" charset="0"/>
+                <a:cs typeface="Courier New" panose="02070309020205020404" pitchFamily="49" charset="0"/>
+              </a:rPr>
+              <a:t>WHERE </a:t>
+            </a:r>
+            <a:r>
+              <a:rPr lang="en-US" sz="1100" dirty="0" err="1">
+                <a:latin typeface="Courier New" panose="02070309020205020404" pitchFamily="49" charset="0"/>
+                <a:cs typeface="Courier New" panose="02070309020205020404" pitchFamily="49" charset="0"/>
+              </a:rPr>
+              <a:t>tara_de_origine</a:t>
+            </a:r>
+            <a:r>
+              <a:rPr lang="en-US" sz="1100" dirty="0">
+                <a:latin typeface="Courier New" panose="02070309020205020404" pitchFamily="49" charset="0"/>
+                <a:cs typeface="Courier New" panose="02070309020205020404" pitchFamily="49" charset="0"/>
+              </a:rPr>
+              <a:t> = '</a:t>
+            </a:r>
+            <a:r>
+              <a:rPr lang="en-US" sz="1100" dirty="0" err="1">
+                <a:latin typeface="Courier New" panose="02070309020205020404" pitchFamily="49" charset="0"/>
+                <a:cs typeface="Courier New" panose="02070309020205020404" pitchFamily="49" charset="0"/>
+              </a:rPr>
+              <a:t>România</a:t>
+            </a:r>
+            <a:r>
+              <a:rPr lang="en-US" sz="1100" dirty="0">
+                <a:latin typeface="Courier New" panose="02070309020205020404" pitchFamily="49" charset="0"/>
+                <a:cs typeface="Courier New" panose="02070309020205020404" pitchFamily="49" charset="0"/>
+              </a:rPr>
+              <a:t>' OR </a:t>
+            </a:r>
+            <a:r>
+              <a:rPr lang="en-US" sz="1100" dirty="0" err="1">
+                <a:latin typeface="Courier New" panose="02070309020205020404" pitchFamily="49" charset="0"/>
+                <a:cs typeface="Courier New" panose="02070309020205020404" pitchFamily="49" charset="0"/>
+              </a:rPr>
+              <a:t>tara_de_origine</a:t>
+            </a:r>
+            <a:r>
+              <a:rPr lang="en-US" sz="1100" dirty="0">
+                <a:latin typeface="Courier New" panose="02070309020205020404" pitchFamily="49" charset="0"/>
+                <a:cs typeface="Courier New" panose="02070309020205020404" pitchFamily="49" charset="0"/>
+              </a:rPr>
+              <a:t> = 'Bulgaria’;</a:t>
+            </a:r>
+          </a:p>
+          <a:p>
+            <a:pPr indent="-91440">
+              <a:lnSpc>
+                <a:spcPct val="90000"/>
+              </a:lnSpc>
+              <a:buClr>
+                <a:schemeClr val="accent1"/>
+              </a:buClr>
+              <a:buSzPct val="100000"/>
+              <a:buFont typeface="Calibri" panose="020F0502020204030204" pitchFamily="34" charset="0"/>
+              <a:buChar char=" "/>
+            </a:pPr>
+            <a:endParaRPr lang="en-US" sz="1100" dirty="0">
+              <a:latin typeface="Courier New" panose="02070309020205020404" pitchFamily="49" charset="0"/>
+              <a:cs typeface="Courier New" panose="02070309020205020404" pitchFamily="49" charset="0"/>
+            </a:endParaRPr>
+          </a:p>
+          <a:p>
+            <a:pPr indent="-91440">
+              <a:lnSpc>
+                <a:spcPct val="90000"/>
+              </a:lnSpc>
+              <a:buClr>
+                <a:schemeClr val="accent1"/>
+              </a:buClr>
+              <a:buSzPct val="100000"/>
+              <a:buFont typeface="Calibri" panose="020F0502020204030204" pitchFamily="34" charset="0"/>
+              <a:buChar char=" "/>
+            </a:pPr>
+            <a:r>
+              <a:rPr lang="en-US" sz="1100" b="1" dirty="0">
+                <a:latin typeface="Courier New" panose="02070309020205020404" pitchFamily="49" charset="0"/>
+                <a:cs typeface="Courier New" panose="02070309020205020404" pitchFamily="49" charset="0"/>
+              </a:rPr>
+              <a:t>-- Look up the average budget</a:t>
+            </a:r>
+          </a:p>
+          <a:p>
+            <a:pPr indent="-91440">
+              <a:lnSpc>
+                <a:spcPct val="90000"/>
+              </a:lnSpc>
+              <a:buClr>
+                <a:schemeClr val="accent1"/>
+              </a:buClr>
+              <a:buSzPct val="100000"/>
+              <a:buFont typeface="Calibri" panose="020F0502020204030204" pitchFamily="34" charset="0"/>
+              <a:buChar char=" "/>
+            </a:pPr>
+            <a:r>
+              <a:rPr lang="en-US" sz="1100" dirty="0">
+                <a:latin typeface="Courier New" panose="02070309020205020404" pitchFamily="49" charset="0"/>
+                <a:cs typeface="Courier New" panose="02070309020205020404" pitchFamily="49" charset="0"/>
+              </a:rPr>
+              <a:t>SELECT AVG(</a:t>
+            </a:r>
+            <a:r>
+              <a:rPr lang="en-US" sz="1100" dirty="0" err="1">
+                <a:latin typeface="Courier New" panose="02070309020205020404" pitchFamily="49" charset="0"/>
+                <a:cs typeface="Courier New" panose="02070309020205020404" pitchFamily="49" charset="0"/>
+              </a:rPr>
+              <a:t>buget_anual</a:t>
+            </a:r>
+            <a:r>
+              <a:rPr lang="en-US" sz="1100" dirty="0">
+                <a:latin typeface="Courier New" panose="02070309020205020404" pitchFamily="49" charset="0"/>
+                <a:cs typeface="Courier New" panose="02070309020205020404" pitchFamily="49" charset="0"/>
+              </a:rPr>
+              <a:t>) AS </a:t>
+            </a:r>
+            <a:r>
+              <a:rPr lang="en-US" sz="1100" dirty="0" err="1">
+                <a:latin typeface="Courier New" panose="02070309020205020404" pitchFamily="49" charset="0"/>
+                <a:cs typeface="Courier New" panose="02070309020205020404" pitchFamily="49" charset="0"/>
+              </a:rPr>
+              <a:t>buget_mediu</a:t>
+            </a:r>
+            <a:endParaRPr lang="en-US" sz="1100" dirty="0">
+              <a:latin typeface="Courier New" panose="02070309020205020404" pitchFamily="49" charset="0"/>
+              <a:cs typeface="Courier New" panose="02070309020205020404" pitchFamily="49" charset="0"/>
+            </a:endParaRPr>
+          </a:p>
+          <a:p>
+            <a:pPr indent="-91440">
+              <a:lnSpc>
+                <a:spcPct val="90000"/>
+              </a:lnSpc>
+              <a:buClr>
+                <a:schemeClr val="accent1"/>
+              </a:buClr>
+              <a:buSzPct val="100000"/>
+              <a:buFont typeface="Calibri" panose="020F0502020204030204" pitchFamily="34" charset="0"/>
+              <a:buChar char=" "/>
+            </a:pPr>
+            <a:r>
+              <a:rPr lang="en-US" sz="1100" dirty="0">
+                <a:latin typeface="Courier New" panose="02070309020205020404" pitchFamily="49" charset="0"/>
+                <a:cs typeface="Courier New" panose="02070309020205020404" pitchFamily="49" charset="0"/>
+              </a:rPr>
+              <a:t>FROM DEPARTAMENTE;</a:t>
+            </a:r>
+          </a:p>
+          <a:p>
+            <a:pPr indent="-91440">
+              <a:lnSpc>
+                <a:spcPct val="90000"/>
+              </a:lnSpc>
+              <a:buClr>
+                <a:schemeClr val="accent1"/>
+              </a:buClr>
+              <a:buSzPct val="100000"/>
+              <a:buFont typeface="Calibri" panose="020F0502020204030204" pitchFamily="34" charset="0"/>
+              <a:buChar char=" "/>
+            </a:pPr>
+            <a:endParaRPr lang="en-US" sz="1100" dirty="0">
+              <a:latin typeface="Courier New" panose="02070309020205020404" pitchFamily="49" charset="0"/>
+              <a:cs typeface="Courier New" panose="02070309020205020404" pitchFamily="49" charset="0"/>
+            </a:endParaRPr>
+          </a:p>
+          <a:p>
+            <a:pPr indent="-91440">
+              <a:lnSpc>
+                <a:spcPct val="90000"/>
+              </a:lnSpc>
+              <a:buClr>
+                <a:schemeClr val="accent1"/>
+              </a:buClr>
+              <a:buSzPct val="100000"/>
+              <a:buFont typeface="Calibri" panose="020F0502020204030204" pitchFamily="34" charset="0"/>
+              <a:buChar char=" "/>
+            </a:pPr>
+            <a:r>
+              <a:rPr lang="en-US" sz="1100" b="1" dirty="0">
+                <a:latin typeface="Courier New" panose="02070309020205020404" pitchFamily="49" charset="0"/>
+                <a:cs typeface="Courier New" panose="02070309020205020404" pitchFamily="49" charset="0"/>
+              </a:rPr>
+              <a:t>-- Look up the minimum budget</a:t>
+            </a:r>
+          </a:p>
+          <a:p>
+            <a:pPr indent="-91440">
+              <a:lnSpc>
+                <a:spcPct val="90000"/>
+              </a:lnSpc>
+              <a:buClr>
+                <a:schemeClr val="accent1"/>
+              </a:buClr>
+              <a:buSzPct val="100000"/>
+              <a:buFont typeface="Calibri" panose="020F0502020204030204" pitchFamily="34" charset="0"/>
+              <a:buChar char=" "/>
+            </a:pPr>
+            <a:r>
+              <a:rPr lang="en-US" sz="1100" dirty="0">
+                <a:latin typeface="Courier New" panose="02070309020205020404" pitchFamily="49" charset="0"/>
+                <a:cs typeface="Courier New" panose="02070309020205020404" pitchFamily="49" charset="0"/>
+              </a:rPr>
+              <a:t>SELECT MIN(</a:t>
+            </a:r>
+            <a:r>
+              <a:rPr lang="en-US" sz="1100" dirty="0" err="1">
+                <a:latin typeface="Courier New" panose="02070309020205020404" pitchFamily="49" charset="0"/>
+                <a:cs typeface="Courier New" panose="02070309020205020404" pitchFamily="49" charset="0"/>
+              </a:rPr>
+              <a:t>buget_anual</a:t>
+            </a:r>
+            <a:r>
+              <a:rPr lang="en-US" sz="1100" dirty="0">
+                <a:latin typeface="Courier New" panose="02070309020205020404" pitchFamily="49" charset="0"/>
+                <a:cs typeface="Courier New" panose="02070309020205020404" pitchFamily="49" charset="0"/>
+              </a:rPr>
+              <a:t>) AS </a:t>
+            </a:r>
+            <a:r>
+              <a:rPr lang="en-US" sz="1100" dirty="0" err="1">
+                <a:latin typeface="Courier New" panose="02070309020205020404" pitchFamily="49" charset="0"/>
+                <a:cs typeface="Courier New" panose="02070309020205020404" pitchFamily="49" charset="0"/>
+              </a:rPr>
+              <a:t>buget_minim</a:t>
+            </a:r>
+            <a:endParaRPr lang="en-US" sz="1100" dirty="0">
+              <a:latin typeface="Courier New" panose="02070309020205020404" pitchFamily="49" charset="0"/>
+              <a:cs typeface="Courier New" panose="02070309020205020404" pitchFamily="49" charset="0"/>
+            </a:endParaRPr>
+          </a:p>
+          <a:p>
+            <a:pPr indent="-91440">
+              <a:lnSpc>
+                <a:spcPct val="90000"/>
+              </a:lnSpc>
+              <a:buClr>
+                <a:schemeClr val="accent1"/>
+              </a:buClr>
+              <a:buSzPct val="100000"/>
+              <a:buFont typeface="Calibri" panose="020F0502020204030204" pitchFamily="34" charset="0"/>
+              <a:buChar char=" "/>
+            </a:pPr>
+            <a:r>
+              <a:rPr lang="en-US" sz="1100" dirty="0">
+                <a:latin typeface="Courier New" panose="02070309020205020404" pitchFamily="49" charset="0"/>
+                <a:cs typeface="Courier New" panose="02070309020205020404" pitchFamily="49" charset="0"/>
+              </a:rPr>
+              <a:t>FROM DEPARTAMENTE;</a:t>
+            </a:r>
+          </a:p>
+          <a:p>
+            <a:pPr indent="-91440">
+              <a:lnSpc>
+                <a:spcPct val="90000"/>
+              </a:lnSpc>
+              <a:buClr>
+                <a:schemeClr val="accent1"/>
+              </a:buClr>
+              <a:buSzPct val="100000"/>
+              <a:buFont typeface="Calibri" panose="020F0502020204030204" pitchFamily="34" charset="0"/>
+              <a:buChar char=" "/>
+            </a:pPr>
+            <a:endParaRPr lang="en-US" sz="1100" dirty="0">
+              <a:latin typeface="Courier New" panose="02070309020205020404" pitchFamily="49" charset="0"/>
+              <a:cs typeface="Courier New" panose="02070309020205020404" pitchFamily="49" charset="0"/>
+            </a:endParaRPr>
+          </a:p>
+          <a:p>
+            <a:pPr indent="-91440">
+              <a:lnSpc>
+                <a:spcPct val="90000"/>
+              </a:lnSpc>
+              <a:buClr>
+                <a:schemeClr val="accent1"/>
+              </a:buClr>
+              <a:buSzPct val="100000"/>
+              <a:buFont typeface="Calibri" panose="020F0502020204030204" pitchFamily="34" charset="0"/>
+              <a:buChar char=" "/>
+            </a:pPr>
+            <a:r>
+              <a:rPr lang="en-US" sz="1100" b="1" dirty="0">
+                <a:latin typeface="Courier New" panose="02070309020205020404" pitchFamily="49" charset="0"/>
+                <a:cs typeface="Courier New" panose="02070309020205020404" pitchFamily="49" charset="0"/>
+              </a:rPr>
+              <a:t>-- Search for female employees in the HR department</a:t>
+            </a:r>
+          </a:p>
+          <a:p>
+            <a:pPr indent="-91440">
+              <a:lnSpc>
+                <a:spcPct val="90000"/>
+              </a:lnSpc>
+              <a:buClr>
+                <a:schemeClr val="accent1"/>
+              </a:buClr>
+              <a:buSzPct val="100000"/>
+              <a:buFont typeface="Calibri" panose="020F0502020204030204" pitchFamily="34" charset="0"/>
+              <a:buChar char=" "/>
+            </a:pPr>
+            <a:r>
+              <a:rPr lang="en-US" sz="1100" dirty="0">
+                <a:latin typeface="Courier New" panose="02070309020205020404" pitchFamily="49" charset="0"/>
+                <a:cs typeface="Courier New" panose="02070309020205020404" pitchFamily="49" charset="0"/>
+              </a:rPr>
+              <a:t>SELECT </a:t>
+            </a:r>
+            <a:r>
+              <a:rPr lang="en-US" sz="1100" dirty="0" err="1">
+                <a:latin typeface="Courier New" panose="02070309020205020404" pitchFamily="49" charset="0"/>
+                <a:cs typeface="Courier New" panose="02070309020205020404" pitchFamily="49" charset="0"/>
+              </a:rPr>
+              <a:t>nume</a:t>
+            </a:r>
+            <a:r>
+              <a:rPr lang="en-US" sz="1100" dirty="0">
+                <a:latin typeface="Courier New" panose="02070309020205020404" pitchFamily="49" charset="0"/>
+                <a:cs typeface="Courier New" panose="02070309020205020404" pitchFamily="49" charset="0"/>
+              </a:rPr>
+              <a:t>, </a:t>
+            </a:r>
+            <a:r>
+              <a:rPr lang="en-US" sz="1100" dirty="0" err="1">
+                <a:latin typeface="Courier New" panose="02070309020205020404" pitchFamily="49" charset="0"/>
+                <a:cs typeface="Courier New" panose="02070309020205020404" pitchFamily="49" charset="0"/>
+              </a:rPr>
+              <a:t>prenume</a:t>
+            </a:r>
+            <a:r>
+              <a:rPr lang="en-US" sz="1100" dirty="0">
+                <a:latin typeface="Courier New" panose="02070309020205020404" pitchFamily="49" charset="0"/>
+                <a:cs typeface="Courier New" panose="02070309020205020404" pitchFamily="49" charset="0"/>
+              </a:rPr>
+              <a:t>, </a:t>
+            </a:r>
+            <a:r>
+              <a:rPr lang="en-US" sz="1100" dirty="0" err="1">
+                <a:latin typeface="Courier New" panose="02070309020205020404" pitchFamily="49" charset="0"/>
+                <a:cs typeface="Courier New" panose="02070309020205020404" pitchFamily="49" charset="0"/>
+              </a:rPr>
+              <a:t>functie</a:t>
+            </a:r>
+            <a:endParaRPr lang="en-US" sz="1100" dirty="0">
+              <a:latin typeface="Courier New" panose="02070309020205020404" pitchFamily="49" charset="0"/>
+              <a:cs typeface="Courier New" panose="02070309020205020404" pitchFamily="49" charset="0"/>
+            </a:endParaRPr>
+          </a:p>
+          <a:p>
+            <a:pPr indent="-91440">
+              <a:lnSpc>
+                <a:spcPct val="90000"/>
+              </a:lnSpc>
+              <a:buClr>
+                <a:schemeClr val="accent1"/>
+              </a:buClr>
+              <a:buSzPct val="100000"/>
+              <a:buFont typeface="Calibri" panose="020F0502020204030204" pitchFamily="34" charset="0"/>
+              <a:buChar char=" "/>
+            </a:pPr>
+            <a:r>
+              <a:rPr lang="en-US" sz="1100" dirty="0">
+                <a:latin typeface="Courier New" panose="02070309020205020404" pitchFamily="49" charset="0"/>
+                <a:cs typeface="Courier New" panose="02070309020205020404" pitchFamily="49" charset="0"/>
+              </a:rPr>
+              <a:t>FROM ANGAJATI</a:t>
+            </a:r>
+          </a:p>
+          <a:p>
+            <a:pPr indent="-91440">
+              <a:lnSpc>
+                <a:spcPct val="90000"/>
+              </a:lnSpc>
+              <a:buClr>
+                <a:schemeClr val="accent1"/>
+              </a:buClr>
+              <a:buSzPct val="100000"/>
+              <a:buFont typeface="Calibri" panose="020F0502020204030204" pitchFamily="34" charset="0"/>
+              <a:buChar char=" "/>
+            </a:pPr>
+            <a:r>
+              <a:rPr lang="en-US" sz="1100" dirty="0">
+                <a:latin typeface="Courier New" panose="02070309020205020404" pitchFamily="49" charset="0"/>
+                <a:cs typeface="Courier New" panose="02070309020205020404" pitchFamily="49" charset="0"/>
+              </a:rPr>
+              <a:t>WHERE </a:t>
+            </a:r>
+            <a:r>
+              <a:rPr lang="en-US" sz="1100" dirty="0" err="1">
+                <a:latin typeface="Courier New" panose="02070309020205020404" pitchFamily="49" charset="0"/>
+                <a:cs typeface="Courier New" panose="02070309020205020404" pitchFamily="49" charset="0"/>
+              </a:rPr>
+              <a:t>departament</a:t>
+            </a:r>
+            <a:r>
+              <a:rPr lang="en-US" sz="1100" dirty="0">
+                <a:latin typeface="Courier New" panose="02070309020205020404" pitchFamily="49" charset="0"/>
+                <a:cs typeface="Courier New" panose="02070309020205020404" pitchFamily="49" charset="0"/>
+              </a:rPr>
+              <a:t> = 'HR' AND sex = 'F’;</a:t>
+            </a:r>
+          </a:p>
+          <a:p>
+            <a:pPr indent="-91440">
+              <a:lnSpc>
+                <a:spcPct val="90000"/>
+              </a:lnSpc>
+              <a:buClr>
+                <a:schemeClr val="accent1"/>
+              </a:buClr>
+              <a:buSzPct val="100000"/>
+              <a:buFont typeface="Calibri" panose="020F0502020204030204" pitchFamily="34" charset="0"/>
+              <a:buChar char=" "/>
+            </a:pPr>
+            <a:endParaRPr lang="en-US" sz="1100" dirty="0">
+              <a:latin typeface="Courier New" panose="02070309020205020404" pitchFamily="49" charset="0"/>
+              <a:cs typeface="Courier New" panose="02070309020205020404" pitchFamily="49" charset="0"/>
+            </a:endParaRPr>
+          </a:p>
+          <a:p>
+            <a:pPr indent="-91440">
+              <a:lnSpc>
+                <a:spcPct val="90000"/>
+              </a:lnSpc>
+              <a:buClr>
+                <a:schemeClr val="accent1"/>
+              </a:buClr>
+              <a:buSzPct val="100000"/>
+              <a:buFont typeface="Calibri" panose="020F0502020204030204" pitchFamily="34" charset="0"/>
+              <a:buChar char=" "/>
+            </a:pPr>
+            <a:r>
+              <a:rPr lang="en-US" sz="1100" b="1" dirty="0">
+                <a:latin typeface="Courier New" panose="02070309020205020404" pitchFamily="49" charset="0"/>
+                <a:cs typeface="Courier New" panose="02070309020205020404" pitchFamily="49" charset="0"/>
+              </a:rPr>
+              <a:t>-- Count how many employees are in Marketing</a:t>
+            </a:r>
+          </a:p>
+          <a:p>
+            <a:pPr indent="-91440">
+              <a:lnSpc>
+                <a:spcPct val="90000"/>
+              </a:lnSpc>
+              <a:buClr>
+                <a:schemeClr val="accent1"/>
+              </a:buClr>
+              <a:buSzPct val="100000"/>
+              <a:buFont typeface="Calibri" panose="020F0502020204030204" pitchFamily="34" charset="0"/>
+              <a:buChar char=" "/>
+            </a:pPr>
+            <a:r>
+              <a:rPr lang="en-US" sz="1100" dirty="0">
+                <a:latin typeface="Courier New" panose="02070309020205020404" pitchFamily="49" charset="0"/>
+                <a:cs typeface="Courier New" panose="02070309020205020404" pitchFamily="49" charset="0"/>
+              </a:rPr>
+              <a:t>SELECT COUNT(*) AS </a:t>
+            </a:r>
+            <a:r>
+              <a:rPr lang="en-US" sz="1100" dirty="0" err="1">
+                <a:latin typeface="Courier New" panose="02070309020205020404" pitchFamily="49" charset="0"/>
+                <a:cs typeface="Courier New" panose="02070309020205020404" pitchFamily="49" charset="0"/>
+              </a:rPr>
+              <a:t>numar_angajati</a:t>
+            </a:r>
+            <a:endParaRPr lang="en-US" sz="1100" dirty="0">
+              <a:latin typeface="Courier New" panose="02070309020205020404" pitchFamily="49" charset="0"/>
+              <a:cs typeface="Courier New" panose="02070309020205020404" pitchFamily="49" charset="0"/>
+            </a:endParaRPr>
+          </a:p>
+          <a:p>
+            <a:pPr indent="-91440">
+              <a:lnSpc>
+                <a:spcPct val="90000"/>
+              </a:lnSpc>
+              <a:buClr>
+                <a:schemeClr val="accent1"/>
+              </a:buClr>
+              <a:buSzPct val="100000"/>
+              <a:buFont typeface="Calibri" panose="020F0502020204030204" pitchFamily="34" charset="0"/>
+              <a:buChar char=" "/>
+            </a:pPr>
+            <a:r>
+              <a:rPr lang="en-US" sz="1100" dirty="0">
+                <a:latin typeface="Courier New" panose="02070309020205020404" pitchFamily="49" charset="0"/>
+                <a:cs typeface="Courier New" panose="02070309020205020404" pitchFamily="49" charset="0"/>
+              </a:rPr>
+              <a:t>FROM ANGAJATI</a:t>
+            </a:r>
+          </a:p>
+          <a:p>
+            <a:pPr indent="-91440">
+              <a:lnSpc>
+                <a:spcPct val="90000"/>
+              </a:lnSpc>
+              <a:buClr>
+                <a:schemeClr val="accent1"/>
+              </a:buClr>
+              <a:buSzPct val="100000"/>
+              <a:buFont typeface="Calibri" panose="020F0502020204030204" pitchFamily="34" charset="0"/>
+              <a:buChar char=" "/>
+            </a:pPr>
+            <a:r>
+              <a:rPr lang="en-US" sz="1100" dirty="0">
+                <a:latin typeface="Courier New" panose="02070309020205020404" pitchFamily="49" charset="0"/>
+                <a:cs typeface="Courier New" panose="02070309020205020404" pitchFamily="49" charset="0"/>
+              </a:rPr>
+              <a:t>WHERE </a:t>
+            </a:r>
+            <a:r>
+              <a:rPr lang="en-US" sz="1100" dirty="0" err="1">
+                <a:latin typeface="Courier New" panose="02070309020205020404" pitchFamily="49" charset="0"/>
+                <a:cs typeface="Courier New" panose="02070309020205020404" pitchFamily="49" charset="0"/>
+              </a:rPr>
+              <a:t>departament</a:t>
+            </a:r>
+            <a:r>
+              <a:rPr lang="en-US" sz="1100" dirty="0">
+                <a:latin typeface="Courier New" panose="02070309020205020404" pitchFamily="49" charset="0"/>
+                <a:cs typeface="Courier New" panose="02070309020205020404" pitchFamily="49" charset="0"/>
+              </a:rPr>
+              <a:t> = 'Marketing’;</a:t>
+            </a:r>
+          </a:p>
+          <a:p>
+            <a:pPr indent="-91440">
+              <a:lnSpc>
+                <a:spcPct val="90000"/>
+              </a:lnSpc>
+              <a:buClr>
+                <a:schemeClr val="accent1"/>
+              </a:buClr>
+              <a:buSzPct val="100000"/>
+              <a:buFont typeface="Calibri" panose="020F0502020204030204" pitchFamily="34" charset="0"/>
+              <a:buChar char=" "/>
+            </a:pPr>
+            <a:endParaRPr lang="en-US" sz="1100" dirty="0">
+              <a:latin typeface="Courier New" panose="02070309020205020404" pitchFamily="49" charset="0"/>
+              <a:cs typeface="Courier New" panose="02070309020205020404" pitchFamily="49" charset="0"/>
+            </a:endParaRPr>
+          </a:p>
+          <a:p>
+            <a:pPr indent="-91440">
+              <a:lnSpc>
+                <a:spcPct val="90000"/>
+              </a:lnSpc>
+              <a:buClr>
+                <a:schemeClr val="accent1"/>
+              </a:buClr>
+              <a:buSzPct val="100000"/>
+              <a:buFont typeface="Calibri" panose="020F0502020204030204" pitchFamily="34" charset="0"/>
+              <a:buChar char=" "/>
+            </a:pPr>
+            <a:r>
+              <a:rPr lang="en-US" sz="1100" b="1" dirty="0">
+                <a:latin typeface="Courier New" panose="02070309020205020404" pitchFamily="49" charset="0"/>
+                <a:cs typeface="Courier New" panose="02070309020205020404" pitchFamily="49" charset="0"/>
+              </a:rPr>
+              <a:t>-- Search departments with at least 5 employees</a:t>
+            </a:r>
+          </a:p>
+          <a:p>
+            <a:pPr indent="-91440">
+              <a:lnSpc>
+                <a:spcPct val="90000"/>
+              </a:lnSpc>
+              <a:buClr>
+                <a:schemeClr val="accent1"/>
+              </a:buClr>
+              <a:buSzPct val="100000"/>
+              <a:buFont typeface="Calibri" panose="020F0502020204030204" pitchFamily="34" charset="0"/>
+              <a:buChar char=" "/>
+            </a:pPr>
+            <a:r>
+              <a:rPr lang="en-US" sz="1100" dirty="0">
+                <a:latin typeface="Courier New" panose="02070309020205020404" pitchFamily="49" charset="0"/>
+                <a:cs typeface="Courier New" panose="02070309020205020404" pitchFamily="49" charset="0"/>
+              </a:rPr>
+              <a:t>SELECT </a:t>
+            </a:r>
+            <a:r>
+              <a:rPr lang="en-US" sz="1100" dirty="0" err="1">
+                <a:latin typeface="Courier New" panose="02070309020205020404" pitchFamily="49" charset="0"/>
+                <a:cs typeface="Courier New" panose="02070309020205020404" pitchFamily="49" charset="0"/>
+              </a:rPr>
+              <a:t>departament</a:t>
+            </a:r>
+            <a:r>
+              <a:rPr lang="en-US" sz="1100" dirty="0">
+                <a:latin typeface="Courier New" panose="02070309020205020404" pitchFamily="49" charset="0"/>
+                <a:cs typeface="Courier New" panose="02070309020205020404" pitchFamily="49" charset="0"/>
+              </a:rPr>
+              <a:t>, COUNT(*) AS </a:t>
+            </a:r>
+            <a:r>
+              <a:rPr lang="en-US" sz="1100" dirty="0" err="1">
+                <a:latin typeface="Courier New" panose="02070309020205020404" pitchFamily="49" charset="0"/>
+                <a:cs typeface="Courier New" panose="02070309020205020404" pitchFamily="49" charset="0"/>
+              </a:rPr>
+              <a:t>numar_angajati</a:t>
+            </a:r>
+            <a:endParaRPr lang="en-US" sz="1100" dirty="0">
+              <a:latin typeface="Courier New" panose="02070309020205020404" pitchFamily="49" charset="0"/>
+              <a:cs typeface="Courier New" panose="02070309020205020404" pitchFamily="49" charset="0"/>
+            </a:endParaRPr>
+          </a:p>
+          <a:p>
+            <a:pPr indent="-91440">
+              <a:lnSpc>
+                <a:spcPct val="90000"/>
+              </a:lnSpc>
+              <a:buClr>
+                <a:schemeClr val="accent1"/>
+              </a:buClr>
+              <a:buSzPct val="100000"/>
+              <a:buFont typeface="Calibri" panose="020F0502020204030204" pitchFamily="34" charset="0"/>
+              <a:buChar char=" "/>
+            </a:pPr>
+            <a:r>
+              <a:rPr lang="en-US" sz="1100" dirty="0">
+                <a:latin typeface="Courier New" panose="02070309020205020404" pitchFamily="49" charset="0"/>
+                <a:cs typeface="Courier New" panose="02070309020205020404" pitchFamily="49" charset="0"/>
+              </a:rPr>
+              <a:t>FROM ANGAJATI</a:t>
+            </a:r>
+          </a:p>
+          <a:p>
+            <a:pPr indent="-91440">
+              <a:lnSpc>
+                <a:spcPct val="90000"/>
+              </a:lnSpc>
+              <a:buClr>
+                <a:schemeClr val="accent1"/>
+              </a:buClr>
+              <a:buSzPct val="100000"/>
+              <a:buFont typeface="Calibri" panose="020F0502020204030204" pitchFamily="34" charset="0"/>
+              <a:buChar char=" "/>
+            </a:pPr>
+            <a:r>
+              <a:rPr lang="en-US" sz="1100" dirty="0">
+                <a:latin typeface="Courier New" panose="02070309020205020404" pitchFamily="49" charset="0"/>
+                <a:cs typeface="Courier New" panose="02070309020205020404" pitchFamily="49" charset="0"/>
+              </a:rPr>
+              <a:t>GROUP BY </a:t>
+            </a:r>
+            <a:r>
+              <a:rPr lang="en-US" sz="1100" dirty="0" err="1">
+                <a:latin typeface="Courier New" panose="02070309020205020404" pitchFamily="49" charset="0"/>
+                <a:cs typeface="Courier New" panose="02070309020205020404" pitchFamily="49" charset="0"/>
+              </a:rPr>
+              <a:t>departament</a:t>
+            </a:r>
+            <a:endParaRPr lang="en-US" sz="1100" dirty="0">
+              <a:latin typeface="Courier New" panose="02070309020205020404" pitchFamily="49" charset="0"/>
+              <a:cs typeface="Courier New" panose="02070309020205020404" pitchFamily="49" charset="0"/>
+            </a:endParaRPr>
+          </a:p>
+          <a:p>
+            <a:pPr indent="-91440">
+              <a:lnSpc>
+                <a:spcPct val="90000"/>
+              </a:lnSpc>
+              <a:buClr>
+                <a:schemeClr val="accent1"/>
+              </a:buClr>
+              <a:buSzPct val="100000"/>
+              <a:buFont typeface="Calibri" panose="020F0502020204030204" pitchFamily="34" charset="0"/>
+              <a:buChar char=" "/>
+            </a:pPr>
+            <a:r>
+              <a:rPr lang="en-US" sz="1100" dirty="0">
+                <a:latin typeface="Courier New" panose="02070309020205020404" pitchFamily="49" charset="0"/>
+                <a:cs typeface="Courier New" panose="02070309020205020404" pitchFamily="49" charset="0"/>
+              </a:rPr>
+              <a:t>HAVING COUNT(*) &gt; 5;</a:t>
+            </a:r>
+          </a:p>
+          <a:p>
+            <a:pPr indent="-91440">
+              <a:lnSpc>
+                <a:spcPct val="90000"/>
+              </a:lnSpc>
+              <a:buClr>
+                <a:schemeClr val="accent1"/>
+              </a:buClr>
+              <a:buSzPct val="100000"/>
+              <a:buFont typeface="Calibri" panose="020F0502020204030204" pitchFamily="34" charset="0"/>
+              <a:buChar char=" "/>
+            </a:pPr>
+            <a:endParaRPr lang="en-US" sz="1100" dirty="0">
+              <a:latin typeface="Courier New" panose="02070309020205020404" pitchFamily="49" charset="0"/>
+              <a:cs typeface="Courier New" panose="02070309020205020404" pitchFamily="49" charset="0"/>
+            </a:endParaRPr>
+          </a:p>
+          <a:p>
+            <a:pPr indent="-91440">
+              <a:lnSpc>
+                <a:spcPct val="90000"/>
+              </a:lnSpc>
+              <a:buClr>
+                <a:schemeClr val="accent1"/>
+              </a:buClr>
+              <a:buSzPct val="100000"/>
+              <a:buFont typeface="Calibri" panose="020F0502020204030204" pitchFamily="34" charset="0"/>
+              <a:buChar char=" "/>
+            </a:pPr>
+            <a:r>
+              <a:rPr lang="en-US" sz="1100" b="1" dirty="0">
+                <a:latin typeface="Courier New" panose="02070309020205020404" pitchFamily="49" charset="0"/>
+                <a:cs typeface="Courier New" panose="02070309020205020404" pitchFamily="49" charset="0"/>
+              </a:rPr>
+              <a:t>-- Look for </a:t>
+            </a:r>
+            <a:r>
+              <a:rPr lang="en-US" sz="1100" b="1">
+                <a:latin typeface="Courier New" panose="02070309020205020404" pitchFamily="49" charset="0"/>
+                <a:cs typeface="Courier New" panose="02070309020205020404" pitchFamily="49" charset="0"/>
+              </a:rPr>
+              <a:t>the Apple phones</a:t>
+            </a:r>
+            <a:endParaRPr lang="en-US" sz="1100" b="1" dirty="0">
+              <a:latin typeface="Courier New" panose="02070309020205020404" pitchFamily="49" charset="0"/>
+              <a:cs typeface="Courier New" panose="02070309020205020404" pitchFamily="49" charset="0"/>
+            </a:endParaRPr>
+          </a:p>
+          <a:p>
+            <a:pPr indent="-91440">
+              <a:lnSpc>
+                <a:spcPct val="90000"/>
+              </a:lnSpc>
+              <a:buClr>
+                <a:schemeClr val="accent1"/>
+              </a:buClr>
+              <a:buSzPct val="100000"/>
+              <a:buFont typeface="Calibri" panose="020F0502020204030204" pitchFamily="34" charset="0"/>
+              <a:buChar char=" "/>
+            </a:pPr>
+            <a:r>
+              <a:rPr lang="en-US" sz="1100" dirty="0">
+                <a:latin typeface="Courier New" panose="02070309020205020404" pitchFamily="49" charset="0"/>
+                <a:cs typeface="Courier New" panose="02070309020205020404" pitchFamily="49" charset="0"/>
+              </a:rPr>
+              <a:t>SELECT *</a:t>
+            </a:r>
+          </a:p>
+          <a:p>
+            <a:pPr indent="-91440">
+              <a:lnSpc>
+                <a:spcPct val="90000"/>
+              </a:lnSpc>
+              <a:buClr>
+                <a:schemeClr val="accent1"/>
+              </a:buClr>
+              <a:buSzPct val="100000"/>
+              <a:buFont typeface="Calibri" panose="020F0502020204030204" pitchFamily="34" charset="0"/>
+              <a:buChar char=" "/>
+            </a:pPr>
+            <a:r>
+              <a:rPr lang="en-US" sz="1100" dirty="0">
+                <a:latin typeface="Courier New" panose="02070309020205020404" pitchFamily="49" charset="0"/>
+                <a:cs typeface="Courier New" panose="02070309020205020404" pitchFamily="49" charset="0"/>
+              </a:rPr>
+              <a:t>FROM </a:t>
+            </a:r>
+            <a:r>
+              <a:rPr lang="en-US" sz="1100" dirty="0" err="1">
+                <a:latin typeface="Courier New" panose="02070309020205020404" pitchFamily="49" charset="0"/>
+                <a:cs typeface="Courier New" panose="02070309020205020404" pitchFamily="49" charset="0"/>
+              </a:rPr>
+              <a:t>telefoane</a:t>
+            </a:r>
+            <a:endParaRPr lang="en-US" sz="1100" dirty="0">
+              <a:latin typeface="Courier New" panose="02070309020205020404" pitchFamily="49" charset="0"/>
+              <a:cs typeface="Courier New" panose="02070309020205020404" pitchFamily="49" charset="0"/>
+            </a:endParaRPr>
+          </a:p>
+          <a:p>
+            <a:pPr indent="-91440">
+              <a:lnSpc>
+                <a:spcPct val="90000"/>
+              </a:lnSpc>
+              <a:buClr>
+                <a:schemeClr val="accent1"/>
+              </a:buClr>
+              <a:buSzPct val="100000"/>
+              <a:buFont typeface="Calibri" panose="020F0502020204030204" pitchFamily="34" charset="0"/>
+              <a:buChar char=" "/>
+            </a:pPr>
+            <a:r>
+              <a:rPr lang="en-US" sz="1100" dirty="0">
+                <a:latin typeface="Courier New" panose="02070309020205020404" pitchFamily="49" charset="0"/>
+                <a:cs typeface="Courier New" panose="02070309020205020404" pitchFamily="49" charset="0"/>
+              </a:rPr>
+              <a:t>WHERE </a:t>
+            </a:r>
+            <a:r>
+              <a:rPr lang="en-US" sz="1100" dirty="0" err="1">
+                <a:latin typeface="Courier New" panose="02070309020205020404" pitchFamily="49" charset="0"/>
+                <a:cs typeface="Courier New" panose="02070309020205020404" pitchFamily="49" charset="0"/>
+              </a:rPr>
+              <a:t>marca_tel</a:t>
+            </a:r>
+            <a:r>
+              <a:rPr lang="en-US" sz="1100" dirty="0">
+                <a:latin typeface="Courier New" panose="02070309020205020404" pitchFamily="49" charset="0"/>
+                <a:cs typeface="Courier New" panose="02070309020205020404" pitchFamily="49" charset="0"/>
+              </a:rPr>
+              <a:t> = 'Apple';</a:t>
+            </a:r>
+            <a:endParaRPr lang="LID4096" sz="1100" dirty="0">
               <a:latin typeface="Courier New" panose="02070309020205020404" pitchFamily="49" charset="0"/>
               <a:cs typeface="Courier New" panose="02070309020205020404" pitchFamily="49" charset="0"/>
             </a:endParaRPr>
@@ -7156,7 +8113,7 @@
           <a:p>
             <a:r>
               <a:rPr lang="en-US" dirty="0"/>
-              <a:t>UPDATE instruction</a:t>
+              <a:t>UPDATE instructions</a:t>
             </a:r>
             <a:endParaRPr lang="LID4096" dirty="0"/>
           </a:p>
@@ -8768,8 +9725,8 @@
         </p:nvSpPr>
         <p:spPr bwMode="auto">
           <a:xfrm>
-            <a:off x="908744" y="2852853"/>
-            <a:ext cx="12192000" cy="2308324"/>
+            <a:off x="908744" y="2887681"/>
+            <a:ext cx="11063297" cy="3970318"/>
           </a:xfrm>
           <a:prstGeom prst="rect">
             <a:avLst/>
@@ -8817,228 +9774,53 @@
           </a:bodyPr>
           <a:lstStyle/>
           <a:p>
-            <a:pPr marL="0" marR="0" lvl="0" indent="0" algn="l" defTabSz="914400" rtl="0" eaLnBrk="0" fontAlgn="base" latinLnBrk="0" hangingPunct="0">
-              <a:lnSpc>
-                <a:spcPct val="100000"/>
-              </a:lnSpc>
-              <a:spcBef>
-                <a:spcPct val="0"/>
-              </a:spcBef>
-              <a:spcAft>
-                <a:spcPct val="0"/>
-              </a:spcAft>
-              <a:buClrTx/>
-              <a:buSzTx/>
-              <a:buFontTx/>
+            <a:pPr marL="285750" indent="-285750">
+              <a:buFont typeface="Arial" panose="020B0604020202020204" pitchFamily="34" charset="0"/>
               <a:buChar char="•"/>
-              <a:tabLst/>
             </a:pPr>
             <a:r>
               <a:rPr lang="en-US" dirty="0"/>
-              <a:t>Testing Planning: Defining the testing strategy and objectives. </a:t>
-            </a:r>
-          </a:p>
-          <a:p>
-            <a:pPr marL="0" marR="0" lvl="0" indent="0" algn="l" defTabSz="914400" rtl="0" eaLnBrk="0" fontAlgn="base" latinLnBrk="0" hangingPunct="0">
-              <a:lnSpc>
-                <a:spcPct val="100000"/>
-              </a:lnSpc>
-              <a:spcBef>
-                <a:spcPct val="0"/>
-              </a:spcBef>
-              <a:spcAft>
-                <a:spcPct val="0"/>
-              </a:spcAft>
-              <a:buClrTx/>
-              <a:buSzTx/>
-              <a:buFontTx/>
+              <a:t>Test Planning: Defining the Testing Strategy and Objectives. This involves setting the testing goals, identifying necessary resources, and determining success criteria. The testing strategy is developed to ensure comprehensive coverage of requirements and potential risks.</a:t>
+            </a:r>
+          </a:p>
+          <a:p>
+            <a:pPr marL="285750" indent="-285750">
+              <a:buFont typeface="Arial" panose="020B0604020202020204" pitchFamily="34" charset="0"/>
               <a:buChar char="•"/>
-              <a:tabLst/>
             </a:pPr>
             <a:r>
               <a:rPr lang="en-US" dirty="0"/>
-              <a:t>Requirement Analysis: Identifying the requirements that need to be tested.</a:t>
-            </a:r>
-          </a:p>
-          <a:p>
-            <a:pPr marL="0" marR="0" lvl="0" indent="0" algn="l" defTabSz="914400" rtl="0" eaLnBrk="0" fontAlgn="base" latinLnBrk="0" hangingPunct="0">
-              <a:lnSpc>
-                <a:spcPct val="100000"/>
-              </a:lnSpc>
-              <a:spcBef>
-                <a:spcPct val="0"/>
-              </a:spcBef>
-              <a:spcAft>
-                <a:spcPct val="0"/>
-              </a:spcAft>
-              <a:buClrTx/>
-              <a:buSzTx/>
-              <a:buFontTx/>
+              <a:t>Requirements Analysis: Identifying the requirements to be tested. In this phase, the testing team examines the requirements documentation to understand which functionalities need validation. This includes identifying both functional and non-functional requirements that will guide the testing process.</a:t>
+            </a:r>
+          </a:p>
+          <a:p>
+            <a:pPr marL="285750" indent="-285750">
+              <a:buFont typeface="Arial" panose="020B0604020202020204" pitchFamily="34" charset="0"/>
               <a:buChar char="•"/>
-              <a:tabLst/>
             </a:pPr>
             <a:r>
               <a:rPr lang="en-US" dirty="0"/>
-              <a:t>Test Design: Creating test cases and test scripts. </a:t>
-            </a:r>
-          </a:p>
-          <a:p>
-            <a:pPr marL="0" marR="0" lvl="0" indent="0" algn="l" defTabSz="914400" rtl="0" eaLnBrk="0" fontAlgn="base" latinLnBrk="0" hangingPunct="0">
-              <a:lnSpc>
-                <a:spcPct val="100000"/>
-              </a:lnSpc>
-              <a:spcBef>
-                <a:spcPct val="0"/>
-              </a:spcBef>
-              <a:spcAft>
-                <a:spcPct val="0"/>
-              </a:spcAft>
-              <a:buClrTx/>
-              <a:buSzTx/>
-              <a:buFontTx/>
+              <a:t>Test Design: Creating test cases and test scripts. Based on the analyzed requirements, detailed test cases are developed that describe input conditions, testing actions, and expected results. Test scripts are created for test automation, if required.</a:t>
+            </a:r>
+          </a:p>
+          <a:p>
+            <a:pPr marL="285750" indent="-285750">
+              <a:buFont typeface="Arial" panose="020B0604020202020204" pitchFamily="34" charset="0"/>
               <a:buChar char="•"/>
-              <a:tabLst/>
             </a:pPr>
             <a:r>
               <a:rPr lang="en-US" dirty="0"/>
-              <a:t>Test Environment Setup: Preparing the necessary environment for testing.</a:t>
-            </a:r>
-          </a:p>
-          <a:p>
-            <a:pPr marL="0" marR="0" lvl="0" indent="0" algn="l" defTabSz="914400" rtl="0" eaLnBrk="0" fontAlgn="base" latinLnBrk="0" hangingPunct="0">
-              <a:lnSpc>
-                <a:spcPct val="100000"/>
-              </a:lnSpc>
-              <a:spcBef>
-                <a:spcPct val="0"/>
-              </a:spcBef>
-              <a:spcAft>
-                <a:spcPct val="0"/>
-              </a:spcAft>
-              <a:buClrTx/>
-              <a:buSzTx/>
-              <a:buFontTx/>
+              <a:t>Test Execution: Running test cases and collecting results. Tests are executed according to the plan, and results are recorded and compared with expected outcomes to identify discrepancies.</a:t>
+            </a:r>
+          </a:p>
+          <a:p>
+            <a:pPr marL="285750" indent="-285750">
+              <a:buFont typeface="Arial" panose="020B0604020202020204" pitchFamily="34" charset="0"/>
               <a:buChar char="•"/>
-              <a:tabLst/>
             </a:pPr>
             <a:r>
               <a:rPr lang="en-US" dirty="0"/>
-              <a:t>Test Execution: Running test cases and collecting results.</a:t>
-            </a:r>
-          </a:p>
-          <a:p>
-            <a:pPr marL="0" marR="0" lvl="0" indent="0" algn="l" defTabSz="914400" rtl="0" eaLnBrk="0" fontAlgn="base" latinLnBrk="0" hangingPunct="0">
-              <a:lnSpc>
-                <a:spcPct val="100000"/>
-              </a:lnSpc>
-              <a:spcBef>
-                <a:spcPct val="0"/>
-              </a:spcBef>
-              <a:spcAft>
-                <a:spcPct val="0"/>
-              </a:spcAft>
-              <a:buClrTx/>
-              <a:buSzTx/>
-              <a:buFontTx/>
-              <a:buChar char="•"/>
-              <a:tabLst/>
-            </a:pPr>
-            <a:r>
-              <a:rPr lang="en-US" dirty="0"/>
-              <a:t>Result Evaluation: Comparing the obtained results with the expected ones.</a:t>
-            </a:r>
-          </a:p>
-          <a:p>
-            <a:pPr marL="0" marR="0" lvl="0" indent="0" algn="l" defTabSz="914400" rtl="0" eaLnBrk="0" fontAlgn="base" latinLnBrk="0" hangingPunct="0">
-              <a:lnSpc>
-                <a:spcPct val="100000"/>
-              </a:lnSpc>
-              <a:spcBef>
-                <a:spcPct val="0"/>
-              </a:spcBef>
-              <a:spcAft>
-                <a:spcPct val="0"/>
-              </a:spcAft>
-              <a:buClrTx/>
-              <a:buSzTx/>
-              <a:buFontTx/>
-              <a:buChar char="•"/>
-              <a:tabLst/>
-            </a:pPr>
-            <a:r>
-              <a:rPr lang="en-US" dirty="0"/>
-              <a:t>Defect Reporting: Documenting and reporting identified issues.</a:t>
-            </a:r>
-          </a:p>
-          <a:p>
-            <a:pPr marL="0" marR="0" lvl="0" indent="0" algn="l" defTabSz="914400" rtl="0" eaLnBrk="0" fontAlgn="base" latinLnBrk="0" hangingPunct="0">
-              <a:lnSpc>
-                <a:spcPct val="100000"/>
-              </a:lnSpc>
-              <a:spcBef>
-                <a:spcPct val="0"/>
-              </a:spcBef>
-              <a:spcAft>
-                <a:spcPct val="0"/>
-              </a:spcAft>
-              <a:buClrTx/>
-              <a:buSzTx/>
-              <a:buFontTx/>
-              <a:buChar char="•"/>
-              <a:tabLst/>
-            </a:pPr>
-            <a:r>
-              <a:rPr lang="en-US" dirty="0"/>
-              <a:t>Test Closure: Evaluating the testing and the final report.</a:t>
-            </a:r>
-            <a:endParaRPr lang="LID4096" altLang="LID4096" dirty="0">
-              <a:solidFill>
-                <a:schemeClr val="tx1">
-                  <a:lumMod val="75000"/>
-                  <a:lumOff val="25000"/>
-                </a:schemeClr>
-              </a:solidFill>
-            </a:endParaRPr>
-          </a:p>
-        </p:txBody>
-      </p:sp>
-      <p:sp>
-        <p:nvSpPr>
-          <p:cNvPr id="7" name="TextBox 6">
-            <a:extLst>
-              <a:ext uri="{FF2B5EF4-FFF2-40B4-BE49-F238E27FC236}">
-                <a16:creationId xmlns:a16="http://schemas.microsoft.com/office/drawing/2014/main" id="{0BAF4DA8-AF0E-45A2-9F4C-59FA9DFE9E39}"/>
-              </a:ext>
-            </a:extLst>
-          </p:cNvPr>
-          <p:cNvSpPr txBox="1"/>
-          <p:nvPr/>
-        </p:nvSpPr>
-        <p:spPr>
-          <a:xfrm>
-            <a:off x="908744" y="5058437"/>
-            <a:ext cx="6551628" cy="1200329"/>
-          </a:xfrm>
-          <a:prstGeom prst="rect">
-            <a:avLst/>
-          </a:prstGeom>
-          <a:noFill/>
-        </p:spPr>
-        <p:txBody>
-          <a:bodyPr wrap="square">
-            <a:spAutoFit/>
-          </a:bodyPr>
-          <a:lstStyle/>
-          <a:p>
-            <a:r>
-              <a:rPr lang="it-IT" b="1" dirty="0"/>
-              <a:t>4. Explain the difference between retesting and regression testing</a:t>
-            </a:r>
-          </a:p>
-          <a:p>
-            <a:r>
-              <a:rPr lang="en-US" dirty="0"/>
-              <a:t>Retesting checks whether a repaired defect has been resolved, while regression testing checks whether recent changes have not introduced new defects into the system.</a:t>
+              <a:t>Testing Closure: Evaluation of testing and final reporting. Once tests are completed and critical defects have been addressed, a final evaluation of the testing process is conducted. A final test report is prepared summarizing the activities conducted.</a:t>
             </a:r>
           </a:p>
         </p:txBody>
@@ -9127,7 +9909,7 @@
         </p:nvSpPr>
         <p:spPr>
           <a:xfrm>
-            <a:off x="1172695" y="679185"/>
+            <a:off x="1172695" y="1361198"/>
             <a:ext cx="10058400" cy="2066390"/>
           </a:xfrm>
         </p:spPr>
@@ -9208,7 +9990,7 @@
         </p:nvSpPr>
         <p:spPr>
           <a:xfrm>
-            <a:off x="1172695" y="2743201"/>
+            <a:off x="1172695" y="3424760"/>
             <a:ext cx="9982985" cy="3135320"/>
           </a:xfrm>
           <a:prstGeom prst="rect">
@@ -9529,6 +10311,47 @@
             <a:r>
               <a:rPr lang="en-US" sz="1900" dirty="0"/>
               <a:t>Verification ensures that the software product is built correctly according to specifications and requirements (an internal process), while validation ensures that the built product meets the needs and expectations of the end user (an external process).</a:t>
+            </a:r>
+          </a:p>
+        </p:txBody>
+      </p:sp>
+      <p:sp>
+        <p:nvSpPr>
+          <p:cNvPr id="5" name="TextBox 4">
+            <a:extLst>
+              <a:ext uri="{FF2B5EF4-FFF2-40B4-BE49-F238E27FC236}">
+                <a16:creationId xmlns:a16="http://schemas.microsoft.com/office/drawing/2014/main" id="{1B7C0D1A-16A5-45EA-911D-8FCEB6C6B79D}"/>
+              </a:ext>
+            </a:extLst>
+          </p:cNvPr>
+          <p:cNvSpPr txBox="1"/>
+          <p:nvPr/>
+        </p:nvSpPr>
+        <p:spPr>
+          <a:xfrm>
+            <a:off x="1172695" y="437868"/>
+            <a:ext cx="8800864" cy="923330"/>
+          </a:xfrm>
+          <a:prstGeom prst="rect">
+            <a:avLst/>
+          </a:prstGeom>
+          <a:noFill/>
+        </p:spPr>
+        <p:txBody>
+          <a:bodyPr wrap="square">
+            <a:spAutoFit/>
+          </a:bodyPr>
+          <a:lstStyle/>
+          <a:p>
+            <a:r>
+              <a:rPr lang="it-IT" b="1" dirty="0"/>
+              <a:t>4. Explain the difference between retesting and regression testing</a:t>
+            </a:r>
+          </a:p>
+          <a:p>
+            <a:r>
+              <a:rPr lang="en-US" dirty="0"/>
+              <a:t>Retesting checks whether a repaired defect has been resolved, while regression testing checks whether recent changes have not introduced new defects into the system.</a:t>
             </a:r>
           </a:p>
         </p:txBody>

--- a/Project_EN.pptx
+++ b/Project_EN.pptx
@@ -143,7 +143,7 @@
   <pc:docChgLst>
     <pc:chgData name="Stefan Georgescu" userId="37908185-c1d7-42d0-9605-b4149a966f8b" providerId="ADAL" clId="{7F07B2EF-EC8A-44FF-BF2F-F457F98152AF}"/>
     <pc:docChg chg="undo redo custSel modSld">
-      <pc:chgData name="Stefan Georgescu" userId="37908185-c1d7-42d0-9605-b4149a966f8b" providerId="ADAL" clId="{7F07B2EF-EC8A-44FF-BF2F-F457F98152AF}" dt="2024-06-26T15:05:06.794" v="1334" actId="20577"/>
+      <pc:chgData name="Stefan Georgescu" userId="37908185-c1d7-42d0-9605-b4149a966f8b" providerId="ADAL" clId="{7F07B2EF-EC8A-44FF-BF2F-F457F98152AF}" dt="2024-07-27T10:21:15.454" v="1555" actId="20577"/>
       <pc:docMkLst>
         <pc:docMk/>
       </pc:docMkLst>
@@ -163,7 +163,7 @@
         </pc:spChg>
       </pc:sldChg>
       <pc:sldChg chg="modSp mod">
-        <pc:chgData name="Stefan Georgescu" userId="37908185-c1d7-42d0-9605-b4149a966f8b" providerId="ADAL" clId="{7F07B2EF-EC8A-44FF-BF2F-F457F98152AF}" dt="2024-06-26T14:25:14.209" v="65"/>
+        <pc:chgData name="Stefan Georgescu" userId="37908185-c1d7-42d0-9605-b4149a966f8b" providerId="ADAL" clId="{7F07B2EF-EC8A-44FF-BF2F-F457F98152AF}" dt="2024-07-27T10:21:15.454" v="1555" actId="20577"/>
         <pc:sldMkLst>
           <pc:docMk/>
           <pc:sldMk cId="2679095944" sldId="257"/>
@@ -177,7 +177,7 @@
           </ac:spMkLst>
         </pc:spChg>
         <pc:spChg chg="mod">
-          <ac:chgData name="Stefan Georgescu" userId="37908185-c1d7-42d0-9605-b4149a966f8b" providerId="ADAL" clId="{7F07B2EF-EC8A-44FF-BF2F-F457F98152AF}" dt="2024-06-26T14:25:14.209" v="65"/>
+          <ac:chgData name="Stefan Georgescu" userId="37908185-c1d7-42d0-9605-b4149a966f8b" providerId="ADAL" clId="{7F07B2EF-EC8A-44FF-BF2F-F457F98152AF}" dt="2024-07-27T10:21:15.454" v="1555" actId="20577"/>
           <ac:spMkLst>
             <pc:docMk/>
             <pc:sldMk cId="2679095944" sldId="257"/>
@@ -402,7 +402,7 @@
         </pc:spChg>
       </pc:sldChg>
       <pc:sldChg chg="addSp delSp modSp mod">
-        <pc:chgData name="Stefan Georgescu" userId="37908185-c1d7-42d0-9605-b4149a966f8b" providerId="ADAL" clId="{7F07B2EF-EC8A-44FF-BF2F-F457F98152AF}" dt="2024-06-26T14:33:29.771" v="396" actId="255"/>
+        <pc:chgData name="Stefan Georgescu" userId="37908185-c1d7-42d0-9605-b4149a966f8b" providerId="ADAL" clId="{7F07B2EF-EC8A-44FF-BF2F-F457F98152AF}" dt="2024-07-27T10:20:51.858" v="1514" actId="20577"/>
         <pc:sldMkLst>
           <pc:docMk/>
           <pc:sldMk cId="1564565196" sldId="288"/>
@@ -416,7 +416,7 @@
           </ac:spMkLst>
         </pc:spChg>
         <pc:spChg chg="mod">
-          <ac:chgData name="Stefan Georgescu" userId="37908185-c1d7-42d0-9605-b4149a966f8b" providerId="ADAL" clId="{7F07B2EF-EC8A-44FF-BF2F-F457F98152AF}" dt="2024-06-26T14:33:29.771" v="396" actId="255"/>
+          <ac:chgData name="Stefan Georgescu" userId="37908185-c1d7-42d0-9605-b4149a966f8b" providerId="ADAL" clId="{7F07B2EF-EC8A-44FF-BF2F-F457F98152AF}" dt="2024-07-27T10:20:51.858" v="1514" actId="20577"/>
           <ac:spMkLst>
             <pc:docMk/>
             <pc:sldMk cId="1564565196" sldId="288"/>
@@ -771,7 +771,7 @@
           <a:p>
             <a:fld id="{3F227A2B-2578-49C3-B4D0-B3D3E853D9C9}" type="datetimeFigureOut">
               <a:rPr lang="LID4096" smtClean="0"/>
-              <a:t>07/08/2024</a:t>
+              <a:t>07/27/2024</a:t>
             </a:fld>
             <a:endParaRPr lang="LID4096"/>
           </a:p>
@@ -979,7 +979,7 @@
           <a:p>
             <a:fld id="{3F227A2B-2578-49C3-B4D0-B3D3E853D9C9}" type="datetimeFigureOut">
               <a:rPr lang="LID4096" smtClean="0"/>
-              <a:t>07/08/2024</a:t>
+              <a:t>07/27/2024</a:t>
             </a:fld>
             <a:endParaRPr lang="LID4096"/>
           </a:p>
@@ -1235,7 +1235,7 @@
           <a:p>
             <a:fld id="{3F227A2B-2578-49C3-B4D0-B3D3E853D9C9}" type="datetimeFigureOut">
               <a:rPr lang="LID4096" smtClean="0"/>
-              <a:t>07/08/2024</a:t>
+              <a:t>07/27/2024</a:t>
             </a:fld>
             <a:endParaRPr lang="LID4096"/>
           </a:p>
@@ -1409,7 +1409,7 @@
           <a:p>
             <a:fld id="{3F227A2B-2578-49C3-B4D0-B3D3E853D9C9}" type="datetimeFigureOut">
               <a:rPr lang="LID4096" smtClean="0"/>
-              <a:t>07/08/2024</a:t>
+              <a:t>07/27/2024</a:t>
             </a:fld>
             <a:endParaRPr lang="LID4096"/>
           </a:p>
@@ -1752,7 +1752,7 @@
           <a:p>
             <a:fld id="{3F227A2B-2578-49C3-B4D0-B3D3E853D9C9}" type="datetimeFigureOut">
               <a:rPr lang="LID4096" smtClean="0"/>
-              <a:t>07/08/2024</a:t>
+              <a:t>07/27/2024</a:t>
             </a:fld>
             <a:endParaRPr lang="LID4096"/>
           </a:p>
@@ -2027,7 +2027,7 @@
           <a:p>
             <a:fld id="{3F227A2B-2578-49C3-B4D0-B3D3E853D9C9}" type="datetimeFigureOut">
               <a:rPr lang="LID4096" smtClean="0"/>
-              <a:t>07/08/2024</a:t>
+              <a:t>07/27/2024</a:t>
             </a:fld>
             <a:endParaRPr lang="LID4096"/>
           </a:p>
@@ -2406,7 +2406,7 @@
           <a:p>
             <a:fld id="{3F227A2B-2578-49C3-B4D0-B3D3E853D9C9}" type="datetimeFigureOut">
               <a:rPr lang="LID4096" smtClean="0"/>
-              <a:t>07/08/2024</a:t>
+              <a:t>07/27/2024</a:t>
             </a:fld>
             <a:endParaRPr lang="LID4096"/>
           </a:p>
@@ -2524,7 +2524,7 @@
           <a:p>
             <a:fld id="{3F227A2B-2578-49C3-B4D0-B3D3E853D9C9}" type="datetimeFigureOut">
               <a:rPr lang="LID4096" smtClean="0"/>
-              <a:t>07/08/2024</a:t>
+              <a:t>07/27/2024</a:t>
             </a:fld>
             <a:endParaRPr lang="LID4096"/>
           </a:p>
@@ -2695,7 +2695,7 @@
           <a:p>
             <a:fld id="{3F227A2B-2578-49C3-B4D0-B3D3E853D9C9}" type="datetimeFigureOut">
               <a:rPr lang="LID4096" smtClean="0"/>
-              <a:t>07/08/2024</a:t>
+              <a:t>07/27/2024</a:t>
             </a:fld>
             <a:endParaRPr lang="LID4096"/>
           </a:p>
@@ -3049,7 +3049,7 @@
           <a:p>
             <a:fld id="{3F227A2B-2578-49C3-B4D0-B3D3E853D9C9}" type="datetimeFigureOut">
               <a:rPr lang="LID4096" smtClean="0"/>
-              <a:t>07/08/2024</a:t>
+              <a:t>07/27/2024</a:t>
             </a:fld>
             <a:endParaRPr lang="LID4096"/>
           </a:p>
@@ -3431,7 +3431,7 @@
           <a:p>
             <a:fld id="{3F227A2B-2578-49C3-B4D0-B3D3E853D9C9}" type="datetimeFigureOut">
               <a:rPr lang="LID4096" smtClean="0"/>
-              <a:t>07/08/2024</a:t>
+              <a:t>07/27/2024</a:t>
             </a:fld>
             <a:endParaRPr lang="LID4096"/>
           </a:p>
@@ -3718,7 +3718,7 @@
           <a:p>
             <a:fld id="{3F227A2B-2578-49C3-B4D0-B3D3E853D9C9}" type="datetimeFigureOut">
               <a:rPr lang="LID4096" smtClean="0"/>
-              <a:t>07/08/2024</a:t>
+              <a:t>07/27/2024</a:t>
             </a:fld>
             <a:endParaRPr lang="LID4096"/>
           </a:p>
@@ -6687,19 +6687,8 @@
                 <a:latin typeface="Courier New" panose="02070309020205020404" pitchFamily="49" charset="0"/>
                 <a:cs typeface="Courier New" panose="02070309020205020404" pitchFamily="49" charset="0"/>
               </a:rPr>
-              <a:t>-- Look for </a:t>
-            </a:r>
-            <a:r>
-              <a:rPr lang="en-US" sz="1100" b="1">
-                <a:latin typeface="Courier New" panose="02070309020205020404" pitchFamily="49" charset="0"/>
-                <a:cs typeface="Courier New" panose="02070309020205020404" pitchFamily="49" charset="0"/>
-              </a:rPr>
-              <a:t>the Apple phones</a:t>
-            </a:r>
-            <a:endParaRPr lang="en-US" sz="1100" b="1" dirty="0">
-              <a:latin typeface="Courier New" panose="02070309020205020404" pitchFamily="49" charset="0"/>
-              <a:cs typeface="Courier New" panose="02070309020205020404" pitchFamily="49" charset="0"/>
-            </a:endParaRPr>
+              <a:t>-- Look for the Apple phones</a:t>
+            </a:r>
           </a:p>
           <a:p>
             <a:pPr indent="-91440">
@@ -7208,14 +7197,7 @@
                 <a:latin typeface="Courier New" panose="02070309020205020404" pitchFamily="49" charset="0"/>
                 <a:cs typeface="Courier New" panose="02070309020205020404" pitchFamily="49" charset="0"/>
               </a:rPr>
-              <a:t>-- We want to see every phone whose name starts with “p” or begins with a letter, continues with “Phone“, then continues with </a:t>
-            </a:r>
-            <a:r>
-              <a:rPr lang="en-US" sz="1700" b="1">
-                <a:latin typeface="Courier New" panose="02070309020205020404" pitchFamily="49" charset="0"/>
-                <a:cs typeface="Courier New" panose="02070309020205020404" pitchFamily="49" charset="0"/>
-              </a:rPr>
-              <a:t>any string.</a:t>
+              <a:t>-- We want to see every phone whose name starts with “p” or begins with a letter, continues with “Phone“, then continues with any string.</a:t>
             </a:r>
             <a:endParaRPr lang="en-US" sz="1700" dirty="0">
               <a:latin typeface="Courier New" panose="02070309020205020404" pitchFamily="49" charset="0"/>
@@ -9463,6 +9445,30 @@
             <a:r>
               <a:rPr lang="en-US" dirty="0"/>
               <a:t>Database description: This database is designed to efficiently manage the administrative aspects of a company. It facilitates the storage, access, and management of data related to employees, departments, training sessions, vehicles, and telephones. The main goal is to streamline the administration of human resources, equipment, and training tracking.</a:t>
+            </a:r>
+          </a:p>
+          <a:p>
+            <a:r>
+              <a:rPr lang="en-US" dirty="0"/>
+              <a:t>You can find the </a:t>
+            </a:r>
+            <a:r>
+              <a:rPr lang="en-US"/>
+              <a:t>GitHub repository </a:t>
+            </a:r>
+            <a:r>
+              <a:rPr lang="en-US" dirty="0"/>
+              <a:t>of this project </a:t>
+            </a:r>
+            <a:r>
+              <a:rPr lang="en-US" dirty="0">
+                <a:hlinkClick r:id="rId2"/>
+              </a:rPr>
+              <a:t>here</a:t>
+            </a:r>
+            <a:r>
+              <a:rPr lang="en-US" dirty="0"/>
+              <a:t>.</a:t>
             </a:r>
             <a:endParaRPr lang="LID4096" dirty="0"/>
           </a:p>
@@ -9558,7 +9564,7 @@
         </p:spPr>
         <p:txBody>
           <a:bodyPr>
-            <a:normAutofit fontScale="92500" lnSpcReduction="20000"/>
+            <a:normAutofit fontScale="85000" lnSpcReduction="20000"/>
           </a:bodyPr>
           <a:lstStyle/>
           <a:p>
@@ -9686,9 +9692,10 @@
               <a:buNone/>
             </a:pPr>
             <a:r>
-              <a:rPr lang="en-US" sz="1800" dirty="0"/>
-              <a:t>A test condition defines what is being tested, and a test case defines how it is tested.</a:t>
-            </a:r>
+              <a:rPr lang="en-US" sz="1600" dirty="0"/>
+              <a:t>A test condition defines what is being tested and refers to any aspect of a system that can be verified or tested, such as a specific requirement or functionality. Specifically, it is a criterion that must be met for a test case to be considered passed or validated. A test case defines how the testing is performed (steps taken and/or code executed).</a:t>
+            </a:r>
+            <a:endParaRPr lang="en-US" sz="1800" dirty="0"/>
           </a:p>
           <a:p>
             <a:pPr marL="0" indent="0">
